--- a/Indie Game Challenge/Assets/Document/開発資料.pptx
+++ b/Indie Game Challenge/Assets/Document/開発資料.pptx
@@ -114,6 +114,11 @@
       </a:defRPr>
     </a:lvl9pPr>
   </p:defaultTextStyle>
+  <p:extLst>
+    <p:ext uri="{EFAFB233-063F-42B5-8137-9DF3F51BA10A}">
+      <p15:sldGuideLst xmlns:p15="http://schemas.microsoft.com/office/powerpoint/2012/main"/>
+    </p:ext>
+  </p:extLst>
 </p:presentation>
 </file>
 
@@ -4807,7 +4812,7 @@
         <p:spPr>
           <a:xfrm>
             <a:off x="537412" y="545432"/>
-            <a:ext cx="11341768" cy="2862322"/>
+            <a:ext cx="11341768" cy="3693319"/>
           </a:xfrm>
           <a:prstGeom prst="rect">
             <a:avLst/>
@@ -4855,6 +4860,23 @@
               <a:t>・コインが一定値溜まったら内部でフラグをたてて、ダンジョンに入ったらいきなりボス戦が始まるドッキリを仕掛けるなど</a:t>
             </a:r>
             <a:endParaRPr lang="en-US" altLang="ja-JP" dirty="0"/>
+          </a:p>
+          <a:p>
+            <a:endParaRPr lang="en-US" altLang="ja-JP" dirty="0"/>
+          </a:p>
+          <a:p>
+            <a:r>
+              <a:rPr lang="ja-JP" altLang="en-US" dirty="0"/>
+              <a:t>・コンテンツに制限があるので、やりこみ要素として期待できるのはタイムアタック</a:t>
+            </a:r>
+            <a:endParaRPr lang="en-US" altLang="ja-JP" dirty="0"/>
+          </a:p>
+          <a:p>
+            <a:r>
+              <a:rPr lang="ja-JP" altLang="en-US"/>
+              <a:t>　→　エンディングにクリアタイムを表示するだけでも、やりこみ要素になると思う</a:t>
+            </a:r>
+            <a:endParaRPr lang="en-US" altLang="ja-JP"/>
           </a:p>
         </p:txBody>
       </p:sp>

--- a/Indie Game Challenge/Assets/Document/開発資料.pptx
+++ b/Indie Game Challenge/Assets/Document/開発資料.pptx
@@ -7,15 +7,16 @@
   <p:sldIdLst>
     <p:sldId id="256" r:id="rId2"/>
     <p:sldId id="257" r:id="rId3"/>
-    <p:sldId id="258" r:id="rId4"/>
-    <p:sldId id="260" r:id="rId5"/>
-    <p:sldId id="267" r:id="rId6"/>
-    <p:sldId id="259" r:id="rId7"/>
-    <p:sldId id="261" r:id="rId8"/>
-    <p:sldId id="266" r:id="rId9"/>
-    <p:sldId id="262" r:id="rId10"/>
-    <p:sldId id="263" r:id="rId11"/>
-    <p:sldId id="265" r:id="rId12"/>
+    <p:sldId id="268" r:id="rId4"/>
+    <p:sldId id="258" r:id="rId5"/>
+    <p:sldId id="260" r:id="rId6"/>
+    <p:sldId id="267" r:id="rId7"/>
+    <p:sldId id="259" r:id="rId8"/>
+    <p:sldId id="261" r:id="rId9"/>
+    <p:sldId id="266" r:id="rId10"/>
+    <p:sldId id="262" r:id="rId11"/>
+    <p:sldId id="263" r:id="rId12"/>
+    <p:sldId id="265" r:id="rId13"/>
   </p:sldIdLst>
   <p:sldSz cx="12192000" cy="6858000"/>
   <p:notesSz cx="6858000" cy="9144000"/>
@@ -281,7 +282,7 @@
           <a:p>
             <a:fld id="{6FD30967-73D8-4BC5-8AAD-C817C2886B90}" type="datetimeFigureOut">
               <a:rPr kumimoji="1" lang="ja-JP" altLang="en-US" smtClean="0"/>
-              <a:t>2023/6/21</a:t>
+              <a:t>2023/6/22</a:t>
             </a:fld>
             <a:endParaRPr kumimoji="1" lang="ja-JP" altLang="en-US"/>
           </a:p>
@@ -511,7 +512,7 @@
           <a:p>
             <a:fld id="{6FD30967-73D8-4BC5-8AAD-C817C2886B90}" type="datetimeFigureOut">
               <a:rPr kumimoji="1" lang="ja-JP" altLang="en-US" smtClean="0"/>
-              <a:t>2023/6/21</a:t>
+              <a:t>2023/6/22</a:t>
             </a:fld>
             <a:endParaRPr kumimoji="1" lang="ja-JP" altLang="en-US"/>
           </a:p>
@@ -751,7 +752,7 @@
           <a:p>
             <a:fld id="{6FD30967-73D8-4BC5-8AAD-C817C2886B90}" type="datetimeFigureOut">
               <a:rPr kumimoji="1" lang="ja-JP" altLang="en-US" smtClean="0"/>
-              <a:t>2023/6/21</a:t>
+              <a:t>2023/6/22</a:t>
             </a:fld>
             <a:endParaRPr kumimoji="1" lang="ja-JP" altLang="en-US"/>
           </a:p>
@@ -981,7 +982,7 @@
           <a:p>
             <a:fld id="{6FD30967-73D8-4BC5-8AAD-C817C2886B90}" type="datetimeFigureOut">
               <a:rPr kumimoji="1" lang="ja-JP" altLang="en-US" smtClean="0"/>
-              <a:t>2023/6/21</a:t>
+              <a:t>2023/6/22</a:t>
             </a:fld>
             <a:endParaRPr kumimoji="1" lang="ja-JP" altLang="en-US"/>
           </a:p>
@@ -1256,7 +1257,7 @@
           <a:p>
             <a:fld id="{6FD30967-73D8-4BC5-8AAD-C817C2886B90}" type="datetimeFigureOut">
               <a:rPr kumimoji="1" lang="ja-JP" altLang="en-US" smtClean="0"/>
-              <a:t>2023/6/21</a:t>
+              <a:t>2023/6/22</a:t>
             </a:fld>
             <a:endParaRPr kumimoji="1" lang="ja-JP" altLang="en-US"/>
           </a:p>
@@ -1585,7 +1586,7 @@
           <a:p>
             <a:fld id="{6FD30967-73D8-4BC5-8AAD-C817C2886B90}" type="datetimeFigureOut">
               <a:rPr kumimoji="1" lang="ja-JP" altLang="en-US" smtClean="0"/>
-              <a:t>2023/6/21</a:t>
+              <a:t>2023/6/22</a:t>
             </a:fld>
             <a:endParaRPr kumimoji="1" lang="ja-JP" altLang="en-US"/>
           </a:p>
@@ -2061,7 +2062,7 @@
           <a:p>
             <a:fld id="{6FD30967-73D8-4BC5-8AAD-C817C2886B90}" type="datetimeFigureOut">
               <a:rPr kumimoji="1" lang="ja-JP" altLang="en-US" smtClean="0"/>
-              <a:t>2023/6/21</a:t>
+              <a:t>2023/6/22</a:t>
             </a:fld>
             <a:endParaRPr kumimoji="1" lang="ja-JP" altLang="en-US"/>
           </a:p>
@@ -2202,7 +2203,7 @@
           <a:p>
             <a:fld id="{6FD30967-73D8-4BC5-8AAD-C817C2886B90}" type="datetimeFigureOut">
               <a:rPr kumimoji="1" lang="ja-JP" altLang="en-US" smtClean="0"/>
-              <a:t>2023/6/21</a:t>
+              <a:t>2023/6/22</a:t>
             </a:fld>
             <a:endParaRPr kumimoji="1" lang="ja-JP" altLang="en-US"/>
           </a:p>
@@ -2315,7 +2316,7 @@
           <a:p>
             <a:fld id="{6FD30967-73D8-4BC5-8AAD-C817C2886B90}" type="datetimeFigureOut">
               <a:rPr kumimoji="1" lang="ja-JP" altLang="en-US" smtClean="0"/>
-              <a:t>2023/6/21</a:t>
+              <a:t>2023/6/22</a:t>
             </a:fld>
             <a:endParaRPr kumimoji="1" lang="ja-JP" altLang="en-US"/>
           </a:p>
@@ -2658,7 +2659,7 @@
           <a:p>
             <a:fld id="{6FD30967-73D8-4BC5-8AAD-C817C2886B90}" type="datetimeFigureOut">
               <a:rPr kumimoji="1" lang="ja-JP" altLang="en-US" smtClean="0"/>
-              <a:t>2023/6/21</a:t>
+              <a:t>2023/6/22</a:t>
             </a:fld>
             <a:endParaRPr kumimoji="1" lang="ja-JP" altLang="en-US"/>
           </a:p>
@@ -2946,7 +2947,7 @@
           <a:p>
             <a:fld id="{6FD30967-73D8-4BC5-8AAD-C817C2886B90}" type="datetimeFigureOut">
               <a:rPr kumimoji="1" lang="ja-JP" altLang="en-US" smtClean="0"/>
-              <a:t>2023/6/21</a:t>
+              <a:t>2023/6/22</a:t>
             </a:fld>
             <a:endParaRPr kumimoji="1" lang="ja-JP" altLang="en-US"/>
           </a:p>
@@ -3219,7 +3220,7 @@
           <a:p>
             <a:fld id="{6FD30967-73D8-4BC5-8AAD-C817C2886B90}" type="datetimeFigureOut">
               <a:rPr kumimoji="1" lang="ja-JP" altLang="en-US" smtClean="0"/>
-              <a:t>2023/6/21</a:t>
+              <a:t>2023/6/22</a:t>
             </a:fld>
             <a:endParaRPr kumimoji="1" lang="ja-JP" altLang="en-US"/>
           </a:p>
@@ -4024,7 +4025,7 @@
         <p:spPr>
           <a:xfrm>
             <a:off x="361950" y="323850"/>
-            <a:ext cx="11287125" cy="5355312"/>
+            <a:ext cx="11287125" cy="4124206"/>
           </a:xfrm>
           <a:prstGeom prst="rect">
             <a:avLst/>
@@ -4049,17 +4050,57 @@
           <a:p>
             <a:r>
               <a:rPr lang="ja-JP" altLang="en-US" dirty="0"/>
-              <a:t>やるべき事</a:t>
-            </a:r>
+              <a:t>出来ている事</a:t>
+            </a:r>
+            <a:endParaRPr kumimoji="1" lang="en-US" altLang="ja-JP" dirty="0"/>
+          </a:p>
+          <a:p>
             <a:endParaRPr lang="en-US" altLang="ja-JP" dirty="0"/>
           </a:p>
           <a:p>
+            <a:r>
+              <a:rPr lang="ja-JP" altLang="en-US" dirty="0"/>
+              <a:t>・キャラクターのアニメーション</a:t>
+            </a:r>
             <a:endParaRPr lang="en-US" altLang="ja-JP" dirty="0"/>
           </a:p>
           <a:p>
             <a:r>
+              <a:rPr lang="ja-JP" altLang="en-US" sz="1400" dirty="0"/>
+              <a:t>　→　一応、「歩く」「走る（</a:t>
+            </a:r>
+            <a:r>
+              <a:rPr lang="en-US" altLang="ja-JP" sz="1400" dirty="0"/>
+              <a:t>Shift</a:t>
+            </a:r>
+            <a:r>
+              <a:rPr lang="ja-JP" altLang="en-US" sz="1400" dirty="0"/>
+              <a:t>キー押しっぱなし）」は可能（</a:t>
+            </a:r>
+            <a:r>
+              <a:rPr lang="en-US" altLang="ja-JP" sz="1400" dirty="0"/>
+              <a:t>WASD</a:t>
+            </a:r>
+            <a:r>
+              <a:rPr lang="ja-JP" altLang="en-US" sz="1400" dirty="0"/>
+              <a:t>で移動）</a:t>
+            </a:r>
+            <a:endParaRPr lang="en-US" altLang="ja-JP" sz="1400" dirty="0"/>
+          </a:p>
+          <a:p>
+            <a:r>
+              <a:rPr lang="ja-JP" altLang="en-US" sz="1400" dirty="0"/>
+              <a:t>　→　コード内には「ジャンプ」と「落ちる」は作ってあるがまだ必要な場面が無かったので使ってない</a:t>
+            </a:r>
+            <a:endParaRPr lang="en-US" altLang="ja-JP" sz="1400" dirty="0"/>
+          </a:p>
+          <a:p>
+            <a:endParaRPr lang="en-US" altLang="ja-JP" dirty="0"/>
+          </a:p>
+          <a:p>
+            <a:r>
               <a:rPr lang="ja-JP" altLang="en-US" dirty="0"/>
-              <a:t>・スタートエリアからダンジョンエリアにワープする仕組み</a:t>
+              <a:t>・カメラ</a:t>
             </a:r>
             <a:endParaRPr lang="en-US" altLang="ja-JP" dirty="0"/>
           </a:p>
@@ -4070,7 +4111,15 @@
             </a:r>
             <a:r>
               <a:rPr lang="ja-JP" altLang="en-US" sz="1400" dirty="0"/>
-              <a:t>→　主人公の姿が上から消えていくアニメーション？シェーダーエフェクトを作る必要があるかな</a:t>
+              <a:t>→　一応、マウスを動かすとカメラが主人公の周りをまわり、カメラの方向と</a:t>
+            </a:r>
+            <a:r>
+              <a:rPr lang="en-US" altLang="ja-JP" sz="1400" dirty="0"/>
+              <a:t>WASD</a:t>
+            </a:r>
+            <a:r>
+              <a:rPr lang="ja-JP" altLang="en-US" sz="1400" dirty="0"/>
+              <a:t>の移動が合う様にしている</a:t>
             </a:r>
             <a:endParaRPr lang="en-US" altLang="ja-JP" dirty="0"/>
           </a:p>
@@ -4080,56 +4129,25 @@
           <a:p>
             <a:r>
               <a:rPr lang="ja-JP" altLang="en-US" dirty="0"/>
-              <a:t>・ダンジョンがちゃんと再構築できるようにする</a:t>
-            </a:r>
-            <a:r>
-              <a:rPr lang="ja-JP" altLang="en-US" sz="1400" dirty="0"/>
-              <a:t>（ちょっとしたエラーが出るのでそこを直す必要あり）</a:t>
-            </a:r>
-            <a:endParaRPr lang="en-US" altLang="ja-JP" sz="1400" dirty="0"/>
-          </a:p>
-          <a:p>
+              <a:t>・エリアに流す</a:t>
+            </a:r>
+            <a:r>
+              <a:rPr lang="en-US" altLang="ja-JP" dirty="0"/>
+              <a:t>BGM</a:t>
+            </a:r>
+            <a:r>
+              <a:rPr lang="ja-JP" altLang="en-US" dirty="0"/>
+              <a:t>はフリー素材でとりあえずダウンロード済み</a:t>
+            </a:r>
             <a:endParaRPr lang="en-US" altLang="ja-JP" dirty="0"/>
           </a:p>
           <a:p>
+            <a:endParaRPr lang="en-US" altLang="ja-JP" dirty="0"/>
+          </a:p>
+          <a:p>
             <a:r>
               <a:rPr lang="ja-JP" altLang="en-US" dirty="0"/>
-              <a:t>・スタートエリア＆ダンジョンの装飾</a:t>
-            </a:r>
-            <a:r>
-              <a:rPr lang="ja-JP" altLang="en-US" sz="1400" dirty="0"/>
-              <a:t>（各オブジェクトにコライダーを設けてちゃんと通り抜けられないようにする）</a:t>
-            </a:r>
-            <a:endParaRPr lang="en-US" altLang="ja-JP" dirty="0"/>
-          </a:p>
-          <a:p>
-            <a:endParaRPr lang="en-US" altLang="ja-JP" dirty="0"/>
-          </a:p>
-          <a:p>
-            <a:r>
-              <a:rPr lang="ja-JP" altLang="en-US" dirty="0"/>
-              <a:t>・</a:t>
-            </a:r>
-            <a:r>
-              <a:rPr lang="en-US" altLang="ja-JP" dirty="0"/>
-              <a:t>UI</a:t>
-            </a:r>
-          </a:p>
-          <a:p>
-            <a:r>
-              <a:rPr lang="ja-JP" altLang="en-US" dirty="0"/>
-              <a:t>　メニュー画面など</a:t>
-            </a:r>
-            <a:r>
-              <a:rPr lang="ja-JP" altLang="en-US" sz="1400" dirty="0"/>
-              <a:t>（オプション画面で操作感度の調整が出来る仕組みが必要かな）</a:t>
-            </a:r>
-            <a:endParaRPr lang="en-US" altLang="ja-JP" sz="1400" dirty="0"/>
-          </a:p>
-          <a:p>
-            <a:r>
-              <a:rPr lang="ja-JP" altLang="en-US" dirty="0"/>
-              <a:t>　スキルボタンを表示する？</a:t>
+              <a:t>・ダンジョンメーカーやワープ装置モデルなどのアセットはプロジェクトにインポート済み</a:t>
             </a:r>
             <a:endParaRPr lang="en-US" altLang="ja-JP" dirty="0"/>
           </a:p>
@@ -4139,73 +4157,64 @@
               <a:t>　</a:t>
             </a:r>
             <a:r>
-              <a:rPr lang="en-US" altLang="ja-JP" dirty="0"/>
-              <a:t>HP</a:t>
-            </a:r>
-            <a:r>
-              <a:rPr lang="ja-JP" altLang="en-US" dirty="0"/>
-              <a:t>を表示する？</a:t>
-            </a:r>
-            <a:r>
               <a:rPr lang="ja-JP" altLang="en-US" sz="1400" dirty="0"/>
-              <a:t>（個人的には敵も味方も</a:t>
-            </a:r>
-            <a:r>
-              <a:rPr lang="en-US" altLang="ja-JP" sz="1400" dirty="0"/>
-              <a:t>HP</a:t>
-            </a:r>
-            <a:r>
-              <a:rPr lang="ja-JP" altLang="en-US" sz="1400" dirty="0"/>
-              <a:t>表示はしない方が面白いと思う派）</a:t>
-            </a:r>
-            <a:endParaRPr lang="en-US" altLang="ja-JP" sz="1400" dirty="0"/>
-          </a:p>
-          <a:p>
+              <a:t>→　アセットストアで他に良さそうな物が見つかったら入れても構わないが、最終的には必要最低限の物だけ残して後は削除する</a:t>
+            </a:r>
             <a:endParaRPr lang="en-US" altLang="ja-JP" dirty="0"/>
           </a:p>
-          <a:p>
-            <a:r>
-              <a:rPr lang="ja-JP" altLang="en-US" dirty="0"/>
-              <a:t>・ランダムに動き回る敵を作る＆数が減ったらリスポーンする仕組み</a:t>
-            </a:r>
-            <a:endParaRPr lang="en-US" altLang="ja-JP" dirty="0"/>
-          </a:p>
-          <a:p>
-            <a:r>
-              <a:rPr lang="ja-JP" altLang="en-US" dirty="0"/>
-              <a:t>　</a:t>
-            </a:r>
-            <a:r>
-              <a:rPr lang="ja-JP" altLang="en-US" sz="1400" dirty="0"/>
-              <a:t>（</a:t>
-            </a:r>
-            <a:r>
-              <a:rPr lang="en-US" altLang="ja-JP" sz="1400" dirty="0"/>
-              <a:t>AI</a:t>
-            </a:r>
-            <a:r>
-              <a:rPr lang="ja-JP" altLang="en-US" sz="1400" dirty="0"/>
-              <a:t>を作る必要があるか、、、主人公が視野に入ったら主人公の方に近づいてくるだけでも敵のふるまいにはなる）</a:t>
-            </a:r>
-            <a:endParaRPr lang="en-US" altLang="ja-JP" sz="1400" dirty="0"/>
-          </a:p>
-          <a:p>
-            <a:r>
-              <a:rPr lang="ja-JP" altLang="en-US" dirty="0"/>
-              <a:t>　ボスまで作れたら嬉しい</a:t>
-            </a:r>
-            <a:r>
-              <a:rPr lang="ja-JP" altLang="en-US" sz="1400" dirty="0"/>
-              <a:t>（ボス戦用のエリアが必要になってくるかも）</a:t>
-            </a:r>
-            <a:endParaRPr lang="en-US" altLang="ja-JP" dirty="0"/>
+        </p:txBody>
+      </p:sp>
+      <p:sp>
+        <p:nvSpPr>
+          <p:cNvPr id="5" name="テキスト ボックス 4">
+            <a:extLst>
+              <a:ext uri="{FF2B5EF4-FFF2-40B4-BE49-F238E27FC236}">
+                <a16:creationId xmlns:a16="http://schemas.microsoft.com/office/drawing/2014/main" id="{0CE36B81-CF4F-1ED6-C685-C89D6F73924D}"/>
+              </a:ext>
+            </a:extLst>
+          </p:cNvPr>
+          <p:cNvSpPr txBox="1"/>
+          <p:nvPr/>
+        </p:nvSpPr>
+        <p:spPr>
+          <a:xfrm>
+            <a:off x="1485900" y="2471797"/>
+            <a:ext cx="2031325" cy="276999"/>
+          </a:xfrm>
+          <a:prstGeom prst="rect">
+            <a:avLst/>
+          </a:prstGeom>
+          <a:noFill/>
+        </p:spPr>
+        <p:txBody>
+          <a:bodyPr wrap="none" rtlCol="0">
+            <a:spAutoFit/>
+          </a:bodyPr>
+          <a:lstStyle/>
+          <a:p>
+            <a:r>
+              <a:rPr kumimoji="1" lang="en-US" altLang="ja-JP" sz="1200" dirty="0">
+                <a:solidFill>
+                  <a:srgbClr val="FF0000"/>
+                </a:solidFill>
+              </a:rPr>
+              <a:t>※</a:t>
+            </a:r>
+            <a:r>
+              <a:rPr kumimoji="1" lang="ja-JP" altLang="en-US" sz="1200" dirty="0">
+                <a:solidFill>
+                  <a:srgbClr val="FF0000"/>
+                </a:solidFill>
+              </a:rPr>
+              <a:t>カメラ感度の調整が必要</a:t>
+            </a:r>
           </a:p>
         </p:txBody>
       </p:sp>
     </p:spTree>
     <p:extLst>
       <p:ext uri="{BB962C8B-B14F-4D97-AF65-F5344CB8AC3E}">
-        <p14:creationId xmlns:p14="http://schemas.microsoft.com/office/powerpoint/2010/main" val="868623677"/>
+        <p14:creationId xmlns:p14="http://schemas.microsoft.com/office/powerpoint/2010/main" val="3719845665"/>
       </p:ext>
     </p:extLst>
   </p:cSld>
@@ -4247,7 +4256,7 @@
         <p:spPr>
           <a:xfrm>
             <a:off x="361950" y="323850"/>
-            <a:ext cx="11287125" cy="5632311"/>
+            <a:ext cx="11287125" cy="5355312"/>
           </a:xfrm>
           <a:prstGeom prst="rect">
             <a:avLst/>
@@ -4272,7 +4281,230 @@
           <a:p>
             <a:r>
               <a:rPr lang="ja-JP" altLang="en-US" dirty="0"/>
-              <a:t>やるべき事</a:t>
+              <a:t>やる事</a:t>
+            </a:r>
+            <a:endParaRPr lang="en-US" altLang="ja-JP" dirty="0"/>
+          </a:p>
+          <a:p>
+            <a:endParaRPr lang="en-US" altLang="ja-JP" dirty="0"/>
+          </a:p>
+          <a:p>
+            <a:r>
+              <a:rPr lang="ja-JP" altLang="en-US" dirty="0"/>
+              <a:t>・スタートエリアからダンジョンエリアにワープする仕組み</a:t>
+            </a:r>
+            <a:endParaRPr lang="en-US" altLang="ja-JP" dirty="0"/>
+          </a:p>
+          <a:p>
+            <a:r>
+              <a:rPr lang="ja-JP" altLang="en-US" dirty="0"/>
+              <a:t>　</a:t>
+            </a:r>
+            <a:r>
+              <a:rPr lang="ja-JP" altLang="en-US" sz="1400" dirty="0"/>
+              <a:t>→　主人公の姿が上から消えていくアニメーション？シェーダーエフェクトを作る必要があるかな</a:t>
+            </a:r>
+            <a:endParaRPr lang="en-US" altLang="ja-JP" dirty="0"/>
+          </a:p>
+          <a:p>
+            <a:endParaRPr lang="en-US" altLang="ja-JP" dirty="0"/>
+          </a:p>
+          <a:p>
+            <a:r>
+              <a:rPr lang="ja-JP" altLang="en-US" dirty="0"/>
+              <a:t>・ダンジョンがちゃんと再構築できるようにする</a:t>
+            </a:r>
+            <a:r>
+              <a:rPr lang="ja-JP" altLang="en-US" sz="1400" dirty="0"/>
+              <a:t>（ちょっとしたエラーが出るのでそこを直す必要あり）</a:t>
+            </a:r>
+            <a:endParaRPr lang="en-US" altLang="ja-JP" sz="1400" dirty="0"/>
+          </a:p>
+          <a:p>
+            <a:endParaRPr lang="en-US" altLang="ja-JP" dirty="0"/>
+          </a:p>
+          <a:p>
+            <a:r>
+              <a:rPr lang="ja-JP" altLang="en-US" dirty="0"/>
+              <a:t>・スタートエリア＆ダンジョンの装飾</a:t>
+            </a:r>
+            <a:r>
+              <a:rPr lang="ja-JP" altLang="en-US" sz="1400" dirty="0"/>
+              <a:t>（各オブジェクトにコライダーを設けてちゃんと通り抜けられないようにする）</a:t>
+            </a:r>
+            <a:endParaRPr lang="en-US" altLang="ja-JP" dirty="0"/>
+          </a:p>
+          <a:p>
+            <a:endParaRPr lang="en-US" altLang="ja-JP" dirty="0"/>
+          </a:p>
+          <a:p>
+            <a:r>
+              <a:rPr lang="ja-JP" altLang="en-US" dirty="0"/>
+              <a:t>・</a:t>
+            </a:r>
+            <a:r>
+              <a:rPr lang="en-US" altLang="ja-JP" dirty="0"/>
+              <a:t>UI</a:t>
+            </a:r>
+          </a:p>
+          <a:p>
+            <a:r>
+              <a:rPr lang="ja-JP" altLang="en-US" dirty="0"/>
+              <a:t>　メニュー画面など</a:t>
+            </a:r>
+            <a:r>
+              <a:rPr lang="ja-JP" altLang="en-US" sz="1400" dirty="0"/>
+              <a:t>（オプション画面で操作感度の調整が出来る仕組みが必要かな）</a:t>
+            </a:r>
+            <a:endParaRPr lang="en-US" altLang="ja-JP" sz="1400" dirty="0"/>
+          </a:p>
+          <a:p>
+            <a:r>
+              <a:rPr lang="ja-JP" altLang="en-US" dirty="0"/>
+              <a:t>　スキルボタンを表示する？</a:t>
+            </a:r>
+            <a:endParaRPr lang="en-US" altLang="ja-JP" dirty="0"/>
+          </a:p>
+          <a:p>
+            <a:r>
+              <a:rPr lang="ja-JP" altLang="en-US" dirty="0"/>
+              <a:t>　</a:t>
+            </a:r>
+            <a:r>
+              <a:rPr lang="en-US" altLang="ja-JP" dirty="0"/>
+              <a:t>HP</a:t>
+            </a:r>
+            <a:r>
+              <a:rPr lang="ja-JP" altLang="en-US" dirty="0"/>
+              <a:t>を表示する？</a:t>
+            </a:r>
+            <a:r>
+              <a:rPr lang="ja-JP" altLang="en-US" sz="1400" dirty="0"/>
+              <a:t>（個人的には敵も味方も</a:t>
+            </a:r>
+            <a:r>
+              <a:rPr lang="en-US" altLang="ja-JP" sz="1400" dirty="0"/>
+              <a:t>HP</a:t>
+            </a:r>
+            <a:r>
+              <a:rPr lang="ja-JP" altLang="en-US" sz="1400" dirty="0"/>
+              <a:t>表示はしない方が面白いと思う派）</a:t>
+            </a:r>
+            <a:endParaRPr lang="en-US" altLang="ja-JP" sz="1400" dirty="0"/>
+          </a:p>
+          <a:p>
+            <a:endParaRPr lang="en-US" altLang="ja-JP" dirty="0"/>
+          </a:p>
+          <a:p>
+            <a:r>
+              <a:rPr lang="ja-JP" altLang="en-US" dirty="0"/>
+              <a:t>・ランダムに動き回る敵を作る＆数が減ったらリスポーンする仕組み</a:t>
+            </a:r>
+            <a:endParaRPr lang="en-US" altLang="ja-JP" dirty="0"/>
+          </a:p>
+          <a:p>
+            <a:r>
+              <a:rPr lang="ja-JP" altLang="en-US" dirty="0"/>
+              <a:t>　</a:t>
+            </a:r>
+            <a:r>
+              <a:rPr lang="ja-JP" altLang="en-US" sz="1400" dirty="0"/>
+              <a:t>（</a:t>
+            </a:r>
+            <a:r>
+              <a:rPr lang="en-US" altLang="ja-JP" sz="1400" dirty="0"/>
+              <a:t>AI</a:t>
+            </a:r>
+            <a:r>
+              <a:rPr lang="ja-JP" altLang="en-US" sz="1400" dirty="0"/>
+              <a:t>を作る必要があるか、、、主人公が視野に入ったら主人公の方に近づいてくるだけでも敵のふるまいにはなる）</a:t>
+            </a:r>
+            <a:endParaRPr lang="en-US" altLang="ja-JP" sz="1400" dirty="0"/>
+          </a:p>
+          <a:p>
+            <a:r>
+              <a:rPr lang="ja-JP" altLang="en-US" dirty="0"/>
+              <a:t>　ボスまで作れたら嬉しい</a:t>
+            </a:r>
+            <a:r>
+              <a:rPr lang="ja-JP" altLang="en-US" sz="1400" dirty="0"/>
+              <a:t>（ボス戦用のエリアが必要になってくるかも）</a:t>
+            </a:r>
+            <a:endParaRPr lang="en-US" altLang="ja-JP" dirty="0"/>
+          </a:p>
+        </p:txBody>
+      </p:sp>
+    </p:spTree>
+    <p:extLst>
+      <p:ext uri="{BB962C8B-B14F-4D97-AF65-F5344CB8AC3E}">
+        <p14:creationId xmlns:p14="http://schemas.microsoft.com/office/powerpoint/2010/main" val="868623677"/>
+      </p:ext>
+    </p:extLst>
+  </p:cSld>
+  <p:clrMapOvr>
+    <a:masterClrMapping/>
+  </p:clrMapOvr>
+</p:sld>
+</file>
+
+<file path=ppt/slides/slide12.xml><?xml version="1.0" encoding="utf-8"?>
+<p:sld xmlns:a="http://schemas.openxmlformats.org/drawingml/2006/main" xmlns:r="http://schemas.openxmlformats.org/officeDocument/2006/relationships" xmlns:p="http://schemas.openxmlformats.org/presentationml/2006/main">
+  <p:cSld>
+    <p:spTree>
+      <p:nvGrpSpPr>
+        <p:cNvPr id="1" name=""/>
+        <p:cNvGrpSpPr/>
+        <p:nvPr/>
+      </p:nvGrpSpPr>
+      <p:grpSpPr>
+        <a:xfrm>
+          <a:off x="0" y="0"/>
+          <a:ext cx="0" cy="0"/>
+          <a:chOff x="0" y="0"/>
+          <a:chExt cx="0" cy="0"/>
+        </a:xfrm>
+      </p:grpSpPr>
+      <p:sp>
+        <p:nvSpPr>
+          <p:cNvPr id="4" name="テキスト ボックス 3">
+            <a:extLst>
+              <a:ext uri="{FF2B5EF4-FFF2-40B4-BE49-F238E27FC236}">
+                <a16:creationId xmlns:a16="http://schemas.microsoft.com/office/drawing/2014/main" id="{8AFA078C-0517-F653-96EB-D81C65F46E37}"/>
+              </a:ext>
+            </a:extLst>
+          </p:cNvPr>
+          <p:cNvSpPr txBox="1"/>
+          <p:nvPr/>
+        </p:nvSpPr>
+        <p:spPr>
+          <a:xfrm>
+            <a:off x="361950" y="323850"/>
+            <a:ext cx="11287125" cy="5909310"/>
+          </a:xfrm>
+          <a:prstGeom prst="rect">
+            <a:avLst/>
+          </a:prstGeom>
+          <a:noFill/>
+        </p:spPr>
+        <p:txBody>
+          <a:bodyPr wrap="square" rtlCol="0">
+            <a:spAutoFit/>
+          </a:bodyPr>
+          <a:lstStyle/>
+          <a:p>
+            <a:r>
+              <a:rPr kumimoji="1" lang="ja-JP" altLang="en-US" b="1" dirty="0"/>
+              <a:t>タスク</a:t>
+            </a:r>
+            <a:endParaRPr kumimoji="1" lang="en-US" altLang="ja-JP" b="1" dirty="0"/>
+          </a:p>
+          <a:p>
+            <a:endParaRPr lang="en-US" altLang="ja-JP" dirty="0"/>
+          </a:p>
+          <a:p>
+            <a:r>
+              <a:rPr lang="ja-JP" altLang="en-US" dirty="0"/>
+              <a:t>やる事</a:t>
             </a:r>
             <a:endParaRPr lang="en-US" altLang="ja-JP" dirty="0"/>
           </a:p>
@@ -4303,17 +4535,36 @@
           <a:p>
             <a:r>
               <a:rPr lang="ja-JP" altLang="en-US" dirty="0"/>
-              <a:t>・</a:t>
+              <a:t>・オートセーブシステム</a:t>
             </a:r>
             <a:endParaRPr lang="en-US" altLang="ja-JP" dirty="0"/>
           </a:p>
           <a:p>
+            <a:r>
+              <a:rPr lang="ja-JP" altLang="en-US" dirty="0"/>
+              <a:t>　</a:t>
+            </a:r>
+            <a:r>
+              <a:rPr lang="ja-JP" altLang="en-US" sz="1400" dirty="0"/>
+              <a:t>→　スタートエリアに入るたびに（イントロ後とか、ダンジョンクリア後とか）セーブ</a:t>
+            </a:r>
             <a:endParaRPr lang="en-US" altLang="ja-JP" dirty="0"/>
           </a:p>
           <a:p>
+            <a:endParaRPr lang="en-US" altLang="ja-JP" dirty="0"/>
+          </a:p>
+          <a:p>
             <a:r>
               <a:rPr lang="ja-JP" altLang="en-US" dirty="0"/>
-              <a:t>・</a:t>
+              <a:t>・ダンジョンで得たコインやステータスを保持しておく器　→　</a:t>
+            </a:r>
+            <a:r>
+              <a:rPr lang="en-US" altLang="ja-JP" dirty="0"/>
+              <a:t>UI</a:t>
+            </a:r>
+            <a:r>
+              <a:rPr lang="ja-JP" altLang="en-US" dirty="0"/>
+              <a:t>やイベント関係はこれを参照する形</a:t>
             </a:r>
             <a:endParaRPr lang="en-US" altLang="ja-JP" dirty="0"/>
           </a:p>
@@ -4812,6 +5063,159 @@
         <p:spPr>
           <a:xfrm>
             <a:off x="537412" y="545432"/>
+            <a:ext cx="11341768" cy="2585323"/>
+          </a:xfrm>
+          <a:prstGeom prst="rect">
+            <a:avLst/>
+          </a:prstGeom>
+          <a:noFill/>
+        </p:spPr>
+        <p:txBody>
+          <a:bodyPr wrap="square" rtlCol="0">
+            <a:spAutoFit/>
+          </a:bodyPr>
+          <a:lstStyle/>
+          <a:p>
+            <a:r>
+              <a:rPr kumimoji="1" lang="ja-JP" altLang="en-US" b="1" dirty="0"/>
+              <a:t>このゲームの楽しい＆面白いポイント（どんなゲームが面白いかの考察）</a:t>
+            </a:r>
+            <a:endParaRPr kumimoji="1" lang="en-US" altLang="ja-JP" b="1" dirty="0"/>
+          </a:p>
+          <a:p>
+            <a:endParaRPr lang="en-US" altLang="ja-JP" dirty="0"/>
+          </a:p>
+          <a:p>
+            <a:r>
+              <a:rPr lang="ja-JP" altLang="en-US" dirty="0"/>
+              <a:t>・ダンジョンでもたもたしてはいけないという緊張感</a:t>
+            </a:r>
+            <a:endParaRPr lang="en-US" altLang="ja-JP" dirty="0"/>
+          </a:p>
+          <a:p>
+            <a:endParaRPr lang="en-US" altLang="ja-JP" dirty="0"/>
+          </a:p>
+          <a:p>
+            <a:r>
+              <a:rPr lang="ja-JP" altLang="en-US" dirty="0"/>
+              <a:t>・気持ちいいアクション</a:t>
+            </a:r>
+            <a:endParaRPr lang="en-US" altLang="ja-JP" dirty="0"/>
+          </a:p>
+          <a:p>
+            <a:endParaRPr lang="en-US" altLang="ja-JP" dirty="0"/>
+          </a:p>
+          <a:p>
+            <a:r>
+              <a:rPr lang="ja-JP" altLang="en-US" dirty="0"/>
+              <a:t>・シンプルで分かりやすいシステム</a:t>
+            </a:r>
+            <a:endParaRPr lang="en-US" altLang="ja-JP" dirty="0"/>
+          </a:p>
+          <a:p>
+            <a:endParaRPr lang="en-US" altLang="ja-JP" dirty="0"/>
+          </a:p>
+          <a:p>
+            <a:r>
+              <a:rPr lang="ja-JP" altLang="en-US" dirty="0"/>
+              <a:t>・飽きる前にゲームが終わる事</a:t>
+            </a:r>
+            <a:endParaRPr lang="en-US" altLang="ja-JP" dirty="0"/>
+          </a:p>
+        </p:txBody>
+      </p:sp>
+      <p:sp>
+        <p:nvSpPr>
+          <p:cNvPr id="2" name="テキスト ボックス 1">
+            <a:extLst>
+              <a:ext uri="{FF2B5EF4-FFF2-40B4-BE49-F238E27FC236}">
+                <a16:creationId xmlns:a16="http://schemas.microsoft.com/office/drawing/2014/main" id="{49FDE64E-EC1E-F6D0-B3FB-045B884D7ADA}"/>
+              </a:ext>
+            </a:extLst>
+          </p:cNvPr>
+          <p:cNvSpPr txBox="1"/>
+          <p:nvPr/>
+        </p:nvSpPr>
+        <p:spPr>
+          <a:xfrm>
+            <a:off x="3695343" y="179615"/>
+            <a:ext cx="4801314" cy="276999"/>
+          </a:xfrm>
+          <a:prstGeom prst="rect">
+            <a:avLst/>
+          </a:prstGeom>
+          <a:noFill/>
+        </p:spPr>
+        <p:txBody>
+          <a:bodyPr wrap="none" rtlCol="0">
+            <a:spAutoFit/>
+          </a:bodyPr>
+          <a:lstStyle/>
+          <a:p>
+            <a:r>
+              <a:rPr kumimoji="1" lang="en-US" altLang="ja-JP" sz="1200" dirty="0">
+                <a:solidFill>
+                  <a:srgbClr val="FF0000"/>
+                </a:solidFill>
+              </a:rPr>
+              <a:t>※</a:t>
+            </a:r>
+            <a:r>
+              <a:rPr kumimoji="1" lang="ja-JP" altLang="en-US" sz="1200" dirty="0">
+                <a:solidFill>
+                  <a:srgbClr val="FF0000"/>
+                </a:solidFill>
+              </a:rPr>
+              <a:t>ここをちゃんと考えて決めないとゲーム制作が難航すると思う</a:t>
+            </a:r>
+          </a:p>
+        </p:txBody>
+      </p:sp>
+    </p:spTree>
+    <p:extLst>
+      <p:ext uri="{BB962C8B-B14F-4D97-AF65-F5344CB8AC3E}">
+        <p14:creationId xmlns:p14="http://schemas.microsoft.com/office/powerpoint/2010/main" val="3060080152"/>
+      </p:ext>
+    </p:extLst>
+  </p:cSld>
+  <p:clrMapOvr>
+    <a:masterClrMapping/>
+  </p:clrMapOvr>
+</p:sld>
+</file>
+
+<file path=ppt/slides/slide4.xml><?xml version="1.0" encoding="utf-8"?>
+<p:sld xmlns:a="http://schemas.openxmlformats.org/drawingml/2006/main" xmlns:r="http://schemas.openxmlformats.org/officeDocument/2006/relationships" xmlns:p="http://schemas.openxmlformats.org/presentationml/2006/main">
+  <p:cSld>
+    <p:spTree>
+      <p:nvGrpSpPr>
+        <p:cNvPr id="1" name=""/>
+        <p:cNvGrpSpPr/>
+        <p:nvPr/>
+      </p:nvGrpSpPr>
+      <p:grpSpPr>
+        <a:xfrm>
+          <a:off x="0" y="0"/>
+          <a:ext cx="0" cy="0"/>
+          <a:chOff x="0" y="0"/>
+          <a:chExt cx="0" cy="0"/>
+        </a:xfrm>
+      </p:grpSpPr>
+      <p:sp>
+        <p:nvSpPr>
+          <p:cNvPr id="4" name="テキスト ボックス 3">
+            <a:extLst>
+              <a:ext uri="{FF2B5EF4-FFF2-40B4-BE49-F238E27FC236}">
+                <a16:creationId xmlns:a16="http://schemas.microsoft.com/office/drawing/2014/main" id="{A55A4989-17F6-C30C-0CE2-2B3A7E728E76}"/>
+              </a:ext>
+            </a:extLst>
+          </p:cNvPr>
+          <p:cNvSpPr txBox="1"/>
+          <p:nvPr/>
+        </p:nvSpPr>
+        <p:spPr>
+          <a:xfrm>
+            <a:off x="537412" y="545432"/>
             <a:ext cx="11341768" cy="3693319"/>
           </a:xfrm>
           <a:prstGeom prst="rect">
@@ -4893,7 +5297,7 @@
 </p:sld>
 </file>
 
-<file path=ppt/slides/slide4.xml><?xml version="1.0" encoding="utf-8"?>
+<file path=ppt/slides/slide5.xml><?xml version="1.0" encoding="utf-8"?>
 <p:sld xmlns:a="http://schemas.openxmlformats.org/drawingml/2006/main" xmlns:r="http://schemas.openxmlformats.org/officeDocument/2006/relationships" xmlns:p="http://schemas.openxmlformats.org/presentationml/2006/main">
   <p:cSld>
     <p:spTree>
@@ -5106,7 +5510,7 @@
 </p:sld>
 </file>
 
-<file path=ppt/slides/slide5.xml><?xml version="1.0" encoding="utf-8"?>
+<file path=ppt/slides/slide6.xml><?xml version="1.0" encoding="utf-8"?>
 <p:sld xmlns:a="http://schemas.openxmlformats.org/drawingml/2006/main" xmlns:r="http://schemas.openxmlformats.org/officeDocument/2006/relationships" xmlns:p="http://schemas.openxmlformats.org/presentationml/2006/main">
   <p:cSld>
     <p:spTree>
@@ -5843,7 +6247,7 @@
 </p:sld>
 </file>
 
-<file path=ppt/slides/slide6.xml><?xml version="1.0" encoding="utf-8"?>
+<file path=ppt/slides/slide7.xml><?xml version="1.0" encoding="utf-8"?>
 <p:sld xmlns:a="http://schemas.openxmlformats.org/drawingml/2006/main" xmlns:r="http://schemas.openxmlformats.org/officeDocument/2006/relationships" xmlns:p="http://schemas.openxmlformats.org/presentationml/2006/main">
   <p:cSld>
     <p:spTree>
@@ -6125,7 +6529,7 @@
 </p:sld>
 </file>
 
-<file path=ppt/slides/slide7.xml><?xml version="1.0" encoding="utf-8"?>
+<file path=ppt/slides/slide8.xml><?xml version="1.0" encoding="utf-8"?>
 <p:sld xmlns:a="http://schemas.openxmlformats.org/drawingml/2006/main" xmlns:r="http://schemas.openxmlformats.org/officeDocument/2006/relationships" xmlns:p="http://schemas.openxmlformats.org/presentationml/2006/main">
   <p:cSld>
     <p:spTree>
@@ -6313,135 +6717,6 @@
 </p:sld>
 </file>
 
-<file path=ppt/slides/slide8.xml><?xml version="1.0" encoding="utf-8"?>
-<p:sld xmlns:a="http://schemas.openxmlformats.org/drawingml/2006/main" xmlns:r="http://schemas.openxmlformats.org/officeDocument/2006/relationships" xmlns:p="http://schemas.openxmlformats.org/presentationml/2006/main">
-  <p:cSld>
-    <p:spTree>
-      <p:nvGrpSpPr>
-        <p:cNvPr id="1" name=""/>
-        <p:cNvGrpSpPr/>
-        <p:nvPr/>
-      </p:nvGrpSpPr>
-      <p:grpSpPr>
-        <a:xfrm>
-          <a:off x="0" y="0"/>
-          <a:ext cx="0" cy="0"/>
-          <a:chOff x="0" y="0"/>
-          <a:chExt cx="0" cy="0"/>
-        </a:xfrm>
-      </p:grpSpPr>
-      <p:sp>
-        <p:nvSpPr>
-          <p:cNvPr id="8" name="テキスト ボックス 7">
-            <a:extLst>
-              <a:ext uri="{FF2B5EF4-FFF2-40B4-BE49-F238E27FC236}">
-                <a16:creationId xmlns:a16="http://schemas.microsoft.com/office/drawing/2014/main" id="{E06531FD-ABA6-3AC3-B31F-DDE460380556}"/>
-              </a:ext>
-            </a:extLst>
-          </p:cNvPr>
-          <p:cNvSpPr txBox="1"/>
-          <p:nvPr/>
-        </p:nvSpPr>
-        <p:spPr>
-          <a:xfrm>
-            <a:off x="352926" y="272716"/>
-            <a:ext cx="2262158" cy="369332"/>
-          </a:xfrm>
-          <a:prstGeom prst="rect">
-            <a:avLst/>
-          </a:prstGeom>
-          <a:noFill/>
-        </p:spPr>
-        <p:txBody>
-          <a:bodyPr wrap="none" rtlCol="0">
-            <a:spAutoFit/>
-          </a:bodyPr>
-          <a:lstStyle/>
-          <a:p>
-            <a:r>
-              <a:rPr kumimoji="1" lang="ja-JP" altLang="en-US" b="1" dirty="0"/>
-              <a:t>ゲームのシーン＃４</a:t>
-            </a:r>
-          </a:p>
-        </p:txBody>
-      </p:sp>
-      <p:sp>
-        <p:nvSpPr>
-          <p:cNvPr id="9" name="テキスト ボックス 8">
-            <a:extLst>
-              <a:ext uri="{FF2B5EF4-FFF2-40B4-BE49-F238E27FC236}">
-                <a16:creationId xmlns:a16="http://schemas.microsoft.com/office/drawing/2014/main" id="{7D55B51D-9A59-F2A0-6111-E5CDEAFB8E78}"/>
-              </a:ext>
-            </a:extLst>
-          </p:cNvPr>
-          <p:cNvSpPr txBox="1"/>
-          <p:nvPr/>
-        </p:nvSpPr>
-        <p:spPr>
-          <a:xfrm>
-            <a:off x="264696" y="890157"/>
-            <a:ext cx="11527254" cy="1354217"/>
-          </a:xfrm>
-          <a:prstGeom prst="rect">
-            <a:avLst/>
-          </a:prstGeom>
-          <a:noFill/>
-        </p:spPr>
-        <p:txBody>
-          <a:bodyPr wrap="square" rtlCol="0">
-            <a:spAutoFit/>
-          </a:bodyPr>
-          <a:lstStyle/>
-          <a:p>
-            <a:r>
-              <a:rPr kumimoji="1" lang="ja-JP" altLang="en-US" dirty="0"/>
-              <a:t>エンディングは、暗闇の中に主人公が入って行ってだんだん姿が見えなくなるような簡単な演出で良い</a:t>
-            </a:r>
-            <a:endParaRPr kumimoji="1" lang="en-US" altLang="ja-JP" dirty="0"/>
-          </a:p>
-          <a:p>
-            <a:endParaRPr lang="en-US" altLang="ja-JP" dirty="0"/>
-          </a:p>
-          <a:p>
-            <a:r>
-              <a:rPr kumimoji="1" lang="en-US" altLang="ja-JP" dirty="0"/>
-              <a:t>※</a:t>
-            </a:r>
-            <a:r>
-              <a:rPr kumimoji="1" lang="ja-JP" altLang="en-US" dirty="0"/>
-              <a:t>主人公の後ろに謎の影が現れて続きが気になるような要素を入れる</a:t>
-            </a:r>
-            <a:endParaRPr kumimoji="1" lang="en-US" altLang="ja-JP" dirty="0"/>
-          </a:p>
-          <a:p>
-            <a:r>
-              <a:rPr lang="ja-JP" altLang="en-US" sz="1400" dirty="0"/>
-              <a:t>　→　もうちょっと世界観やストーリーを作る必要あり</a:t>
-            </a:r>
-            <a:endParaRPr kumimoji="1" lang="en-US" altLang="ja-JP" sz="1400" dirty="0"/>
-          </a:p>
-          <a:p>
-            <a:r>
-              <a:rPr lang="ja-JP" altLang="en-US" sz="1400" dirty="0"/>
-              <a:t>　→　ゲームやドラマではみんなやっている事なので、大事な事だと個人的には思っている</a:t>
-            </a:r>
-            <a:endParaRPr kumimoji="1" lang="en-US" altLang="ja-JP" dirty="0"/>
-          </a:p>
-        </p:txBody>
-      </p:sp>
-    </p:spTree>
-    <p:extLst>
-      <p:ext uri="{BB962C8B-B14F-4D97-AF65-F5344CB8AC3E}">
-        <p14:creationId xmlns:p14="http://schemas.microsoft.com/office/powerpoint/2010/main" val="2881149723"/>
-      </p:ext>
-    </p:extLst>
-  </p:cSld>
-  <p:clrMapOvr>
-    <a:masterClrMapping/>
-  </p:clrMapOvr>
-</p:sld>
-</file>
-
 <file path=ppt/slides/slide9.xml><?xml version="1.0" encoding="utf-8"?>
 <p:sld xmlns:a="http://schemas.openxmlformats.org/drawingml/2006/main" xmlns:r="http://schemas.openxmlformats.org/officeDocument/2006/relationships" xmlns:p="http://schemas.openxmlformats.org/presentationml/2006/main">
   <p:cSld>
@@ -6461,10 +6736,10 @@
       </p:grpSpPr>
       <p:sp>
         <p:nvSpPr>
-          <p:cNvPr id="4" name="テキスト ボックス 3">
-            <a:extLst>
-              <a:ext uri="{FF2B5EF4-FFF2-40B4-BE49-F238E27FC236}">
-                <a16:creationId xmlns:a16="http://schemas.microsoft.com/office/drawing/2014/main" id="{8AFA078C-0517-F653-96EB-D81C65F46E37}"/>
+          <p:cNvPr id="8" name="テキスト ボックス 7">
+            <a:extLst>
+              <a:ext uri="{FF2B5EF4-FFF2-40B4-BE49-F238E27FC236}">
+                <a16:creationId xmlns:a16="http://schemas.microsoft.com/office/drawing/2014/main" id="{E06531FD-ABA6-3AC3-B31F-DDE460380556}"/>
               </a:ext>
             </a:extLst>
           </p:cNvPr>
@@ -6473,8 +6748,8 @@
         </p:nvSpPr>
         <p:spPr>
           <a:xfrm>
-            <a:off x="361950" y="323850"/>
-            <a:ext cx="11287125" cy="4124206"/>
+            <a:off x="352926" y="272716"/>
+            <a:ext cx="2262158" cy="369332"/>
           </a:xfrm>
           <a:prstGeom prst="rect">
             <a:avLst/>
@@ -6482,143 +6757,24 @@
           <a:noFill/>
         </p:spPr>
         <p:txBody>
-          <a:bodyPr wrap="square" rtlCol="0">
+          <a:bodyPr wrap="none" rtlCol="0">
             <a:spAutoFit/>
           </a:bodyPr>
           <a:lstStyle/>
           <a:p>
             <a:r>
               <a:rPr kumimoji="1" lang="ja-JP" altLang="en-US" b="1" dirty="0"/>
-              <a:t>タスク</a:t>
-            </a:r>
-            <a:endParaRPr kumimoji="1" lang="en-US" altLang="ja-JP" b="1" dirty="0"/>
-          </a:p>
-          <a:p>
-            <a:endParaRPr lang="en-US" altLang="ja-JP" dirty="0"/>
-          </a:p>
-          <a:p>
-            <a:r>
-              <a:rPr lang="ja-JP" altLang="en-US" dirty="0"/>
-              <a:t>出来ている事</a:t>
-            </a:r>
-            <a:endParaRPr kumimoji="1" lang="en-US" altLang="ja-JP" dirty="0"/>
-          </a:p>
-          <a:p>
-            <a:endParaRPr lang="en-US" altLang="ja-JP" dirty="0"/>
-          </a:p>
-          <a:p>
-            <a:r>
-              <a:rPr lang="ja-JP" altLang="en-US" dirty="0"/>
-              <a:t>・キャラクターのアニメーション</a:t>
-            </a:r>
-            <a:endParaRPr lang="en-US" altLang="ja-JP" dirty="0"/>
-          </a:p>
-          <a:p>
-            <a:r>
-              <a:rPr lang="ja-JP" altLang="en-US" sz="1400" dirty="0"/>
-              <a:t>　→　一応、「歩く」「走る（</a:t>
-            </a:r>
-            <a:r>
-              <a:rPr lang="en-US" altLang="ja-JP" sz="1400" dirty="0"/>
-              <a:t>Shift</a:t>
-            </a:r>
-            <a:r>
-              <a:rPr lang="ja-JP" altLang="en-US" sz="1400" dirty="0"/>
-              <a:t>キー押しっぱなし）」は可能（</a:t>
-            </a:r>
-            <a:r>
-              <a:rPr lang="en-US" altLang="ja-JP" sz="1400" dirty="0"/>
-              <a:t>WASD</a:t>
-            </a:r>
-            <a:r>
-              <a:rPr lang="ja-JP" altLang="en-US" sz="1400" dirty="0"/>
-              <a:t>で移動）</a:t>
-            </a:r>
-            <a:endParaRPr lang="en-US" altLang="ja-JP" sz="1400" dirty="0"/>
-          </a:p>
-          <a:p>
-            <a:r>
-              <a:rPr lang="ja-JP" altLang="en-US" sz="1400" dirty="0"/>
-              <a:t>　→　コード内には「ジャンプ」と「落ちる」は作ってあるがまだ必要な場面が無かったので使ってない</a:t>
-            </a:r>
-            <a:endParaRPr lang="en-US" altLang="ja-JP" sz="1400" dirty="0"/>
-          </a:p>
-          <a:p>
-            <a:endParaRPr lang="en-US" altLang="ja-JP" dirty="0"/>
-          </a:p>
-          <a:p>
-            <a:r>
-              <a:rPr lang="ja-JP" altLang="en-US" dirty="0"/>
-              <a:t>・カメラ</a:t>
-            </a:r>
-            <a:endParaRPr lang="en-US" altLang="ja-JP" dirty="0"/>
-          </a:p>
-          <a:p>
-            <a:r>
-              <a:rPr lang="ja-JP" altLang="en-US" dirty="0"/>
-              <a:t>　</a:t>
-            </a:r>
-            <a:r>
-              <a:rPr lang="ja-JP" altLang="en-US" sz="1400" dirty="0"/>
-              <a:t>→　一応、マウスを動かすとカメラが主人公の周りをまわり、カメラの方向と</a:t>
-            </a:r>
-            <a:r>
-              <a:rPr lang="en-US" altLang="ja-JP" sz="1400" dirty="0"/>
-              <a:t>WASD</a:t>
-            </a:r>
-            <a:r>
-              <a:rPr lang="ja-JP" altLang="en-US" sz="1400" dirty="0"/>
-              <a:t>の移動が合う様にしている</a:t>
-            </a:r>
-            <a:endParaRPr lang="en-US" altLang="ja-JP" dirty="0"/>
-          </a:p>
-          <a:p>
-            <a:endParaRPr lang="en-US" altLang="ja-JP" dirty="0"/>
-          </a:p>
-          <a:p>
-            <a:r>
-              <a:rPr lang="ja-JP" altLang="en-US" dirty="0"/>
-              <a:t>・エリアに流す</a:t>
-            </a:r>
-            <a:r>
-              <a:rPr lang="en-US" altLang="ja-JP" dirty="0"/>
-              <a:t>BGM</a:t>
-            </a:r>
-            <a:r>
-              <a:rPr lang="ja-JP" altLang="en-US" dirty="0"/>
-              <a:t>はフリー素材でとりあえずダウンロード済み</a:t>
-            </a:r>
-            <a:endParaRPr lang="en-US" altLang="ja-JP" dirty="0"/>
-          </a:p>
-          <a:p>
-            <a:endParaRPr lang="en-US" altLang="ja-JP" dirty="0"/>
-          </a:p>
-          <a:p>
-            <a:r>
-              <a:rPr lang="ja-JP" altLang="en-US" dirty="0"/>
-              <a:t>・ダンジョンメーカーやワープ装置モデルなどのアセットはプロジェクトにインポート済み</a:t>
-            </a:r>
-            <a:endParaRPr lang="en-US" altLang="ja-JP" dirty="0"/>
-          </a:p>
-          <a:p>
-            <a:r>
-              <a:rPr lang="ja-JP" altLang="en-US" dirty="0"/>
-              <a:t>　</a:t>
-            </a:r>
-            <a:r>
-              <a:rPr lang="ja-JP" altLang="en-US" sz="1400" dirty="0"/>
-              <a:t>→　アセットストアで他に良さそうな物が見つかったら入れても構わないが、最終的には必要最低限の物だけ残して後は削除する</a:t>
-            </a:r>
-            <a:endParaRPr lang="en-US" altLang="ja-JP" dirty="0"/>
-          </a:p>
-        </p:txBody>
-      </p:sp>
-      <p:sp>
-        <p:nvSpPr>
-          <p:cNvPr id="5" name="テキスト ボックス 4">
-            <a:extLst>
-              <a:ext uri="{FF2B5EF4-FFF2-40B4-BE49-F238E27FC236}">
-                <a16:creationId xmlns:a16="http://schemas.microsoft.com/office/drawing/2014/main" id="{0CE36B81-CF4F-1ED6-C685-C89D6F73924D}"/>
+              <a:t>ゲームのシーン＃４</a:t>
+            </a:r>
+          </a:p>
+        </p:txBody>
+      </p:sp>
+      <p:sp>
+        <p:nvSpPr>
+          <p:cNvPr id="9" name="テキスト ボックス 8">
+            <a:extLst>
+              <a:ext uri="{FF2B5EF4-FFF2-40B4-BE49-F238E27FC236}">
+                <a16:creationId xmlns:a16="http://schemas.microsoft.com/office/drawing/2014/main" id="{7D55B51D-9A59-F2A0-6111-E5CDEAFB8E78}"/>
               </a:ext>
             </a:extLst>
           </p:cNvPr>
@@ -6627,8 +6783,8 @@
         </p:nvSpPr>
         <p:spPr>
           <a:xfrm>
-            <a:off x="1485900" y="2471797"/>
-            <a:ext cx="2031325" cy="276999"/>
+            <a:off x="264696" y="890157"/>
+            <a:ext cx="11527254" cy="1354217"/>
           </a:xfrm>
           <a:prstGeom prst="rect">
             <a:avLst/>
@@ -6636,34 +6792,51 @@
           <a:noFill/>
         </p:spPr>
         <p:txBody>
-          <a:bodyPr wrap="none" rtlCol="0">
+          <a:bodyPr wrap="square" rtlCol="0">
             <a:spAutoFit/>
           </a:bodyPr>
           <a:lstStyle/>
           <a:p>
             <a:r>
-              <a:rPr kumimoji="1" lang="en-US" altLang="ja-JP" sz="1200" dirty="0">
-                <a:solidFill>
-                  <a:srgbClr val="FF0000"/>
-                </a:solidFill>
-              </a:rPr>
+              <a:rPr kumimoji="1" lang="ja-JP" altLang="en-US" dirty="0"/>
+              <a:t>エンディングは、暗闇の中に主人公が入って行ってだんだん姿が見えなくなるような簡単な演出で良い</a:t>
+            </a:r>
+            <a:endParaRPr kumimoji="1" lang="en-US" altLang="ja-JP" dirty="0"/>
+          </a:p>
+          <a:p>
+            <a:endParaRPr lang="en-US" altLang="ja-JP" dirty="0"/>
+          </a:p>
+          <a:p>
+            <a:r>
+              <a:rPr kumimoji="1" lang="en-US" altLang="ja-JP" dirty="0"/>
               <a:t>※</a:t>
             </a:r>
             <a:r>
-              <a:rPr kumimoji="1" lang="ja-JP" altLang="en-US" sz="1200" dirty="0">
-                <a:solidFill>
-                  <a:srgbClr val="FF0000"/>
-                </a:solidFill>
-              </a:rPr>
-              <a:t>カメラ感度の調整が必要</a:t>
-            </a:r>
+              <a:rPr kumimoji="1" lang="ja-JP" altLang="en-US" dirty="0"/>
+              <a:t>主人公の後ろに謎の影が現れて続きが気になるような要素を入れる</a:t>
+            </a:r>
+            <a:endParaRPr kumimoji="1" lang="en-US" altLang="ja-JP" dirty="0"/>
+          </a:p>
+          <a:p>
+            <a:r>
+              <a:rPr lang="ja-JP" altLang="en-US" sz="1400" dirty="0"/>
+              <a:t>　→　もうちょっと世界観やストーリーを作る必要あり</a:t>
+            </a:r>
+            <a:endParaRPr kumimoji="1" lang="en-US" altLang="ja-JP" sz="1400" dirty="0"/>
+          </a:p>
+          <a:p>
+            <a:r>
+              <a:rPr lang="ja-JP" altLang="en-US" sz="1400" dirty="0"/>
+              <a:t>　→　ゲームやドラマではみんなやっている事なので、大事な事だと個人的には思っている</a:t>
+            </a:r>
+            <a:endParaRPr kumimoji="1" lang="en-US" altLang="ja-JP" dirty="0"/>
           </a:p>
         </p:txBody>
       </p:sp>
     </p:spTree>
     <p:extLst>
       <p:ext uri="{BB962C8B-B14F-4D97-AF65-F5344CB8AC3E}">
-        <p14:creationId xmlns:p14="http://schemas.microsoft.com/office/powerpoint/2010/main" val="3719845665"/>
+        <p14:creationId xmlns:p14="http://schemas.microsoft.com/office/powerpoint/2010/main" val="2881149723"/>
       </p:ext>
     </p:extLst>
   </p:cSld>

--- a/Indie Game Challenge/Assets/Document/開発資料.pptx
+++ b/Indie Game Challenge/Assets/Document/開発資料.pptx
@@ -5063,7 +5063,7 @@
         <p:spPr>
           <a:xfrm>
             <a:off x="537412" y="545432"/>
-            <a:ext cx="11341768" cy="2585323"/>
+            <a:ext cx="11341768" cy="3139321"/>
           </a:xfrm>
           <a:prstGeom prst="rect">
             <a:avLst/>
@@ -5098,7 +5098,7 @@
           <a:p>
             <a:r>
               <a:rPr lang="ja-JP" altLang="en-US" dirty="0"/>
-              <a:t>・気持ちいいアクション</a:t>
+              <a:t>・気持ちいいアクション＆スピード感</a:t>
             </a:r>
             <a:endParaRPr lang="en-US" altLang="ja-JP" dirty="0"/>
           </a:p>
@@ -5108,7 +5108,7 @@
           <a:p>
             <a:r>
               <a:rPr lang="ja-JP" altLang="en-US" dirty="0"/>
-              <a:t>・シンプルで分かりやすいシステム</a:t>
+              <a:t>・シンプルで分かりやすいゲーム性</a:t>
             </a:r>
             <a:endParaRPr lang="en-US" altLang="ja-JP" dirty="0"/>
           </a:p>
@@ -5122,6 +5122,24 @@
             </a:r>
             <a:endParaRPr lang="en-US" altLang="ja-JP" dirty="0"/>
           </a:p>
+          <a:p>
+            <a:endParaRPr lang="en-US" altLang="ja-JP" dirty="0"/>
+          </a:p>
+          <a:p>
+            <a:r>
+              <a:rPr lang="ja-JP" altLang="en-US" dirty="0"/>
+              <a:t>・かわいいキャラクター、神</a:t>
+            </a:r>
+            <a:r>
+              <a:rPr lang="en-US" altLang="ja-JP" dirty="0"/>
+              <a:t>BGM</a:t>
+            </a:r>
+            <a:r>
+              <a:rPr lang="ja-JP" altLang="en-US" dirty="0"/>
+              <a:t>、ハマる世界観とかは正直無理だから諦めている</a:t>
+            </a:r>
+            <a:endParaRPr lang="en-US" altLang="ja-JP" dirty="0"/>
+          </a:p>
         </p:txBody>
       </p:sp>
       <p:sp>
@@ -5138,8 +5156,8 @@
         </p:nvSpPr>
         <p:spPr>
           <a:xfrm>
-            <a:off x="3695343" y="179615"/>
-            <a:ext cx="4801314" cy="276999"/>
+            <a:off x="699594" y="268433"/>
+            <a:ext cx="3724096" cy="276999"/>
           </a:xfrm>
           <a:prstGeom prst="rect">
             <a:avLst/>
@@ -5166,7 +5184,7 @@
                   <a:srgbClr val="FF0000"/>
                 </a:solidFill>
               </a:rPr>
-              <a:t>ここをちゃんと考えて決めないとゲーム制作が難航すると思う</a:t>
+              <a:t>ここを探究していけば多分いい物が作れると思う</a:t>
             </a:r>
           </a:p>
         </p:txBody>
@@ -6698,9 +6716,53 @@
           <a:p>
             <a:r>
               <a:rPr kumimoji="1" lang="ja-JP" altLang="en-US" dirty="0"/>
-              <a:t>ローグライクダンジョンでコインを集める</a:t>
+              <a:t>・ローグライクダンジョンでコインを集める</a:t>
             </a:r>
             <a:endParaRPr kumimoji="1" lang="en-US" altLang="ja-JP" dirty="0"/>
+          </a:p>
+        </p:txBody>
+      </p:sp>
+      <p:sp>
+        <p:nvSpPr>
+          <p:cNvPr id="2" name="テキスト ボックス 1">
+            <a:extLst>
+              <a:ext uri="{FF2B5EF4-FFF2-40B4-BE49-F238E27FC236}">
+                <a16:creationId xmlns:a16="http://schemas.microsoft.com/office/drawing/2014/main" id="{9AF8620B-32F3-F25E-3F16-CAEB7823A3D0}"/>
+              </a:ext>
+            </a:extLst>
+          </p:cNvPr>
+          <p:cNvSpPr txBox="1"/>
+          <p:nvPr/>
+        </p:nvSpPr>
+        <p:spPr>
+          <a:xfrm>
+            <a:off x="6030686" y="6463041"/>
+            <a:ext cx="3383280" cy="276999"/>
+          </a:xfrm>
+          <a:prstGeom prst="rect">
+            <a:avLst/>
+          </a:prstGeom>
+          <a:noFill/>
+        </p:spPr>
+        <p:txBody>
+          <a:bodyPr wrap="square" rtlCol="0">
+            <a:spAutoFit/>
+          </a:bodyPr>
+          <a:lstStyle/>
+          <a:p>
+            <a:r>
+              <a:rPr kumimoji="1" lang="ja-JP" altLang="en-US" sz="1200" dirty="0"/>
+              <a:t>→　ダンジョンクリア時間は</a:t>
+            </a:r>
+            <a:r>
+              <a:rPr kumimoji="1" lang="en-US" altLang="ja-JP" sz="1200" dirty="0"/>
+              <a:t>1</a:t>
+            </a:r>
+            <a:r>
+              <a:rPr kumimoji="1" lang="ja-JP" altLang="en-US" sz="1200" dirty="0"/>
+              <a:t>分ぐらいを想定</a:t>
+            </a:r>
+            <a:endParaRPr kumimoji="1" lang="en-US" altLang="ja-JP" sz="1200" dirty="0"/>
           </a:p>
         </p:txBody>
       </p:sp>

--- a/Indie Game Challenge/Assets/Document/開発資料.pptx
+++ b/Indie Game Challenge/Assets/Document/開発資料.pptx
@@ -9,14 +9,12 @@
     <p:sldId id="257" r:id="rId3"/>
     <p:sldId id="268" r:id="rId4"/>
     <p:sldId id="258" r:id="rId5"/>
-    <p:sldId id="260" r:id="rId6"/>
-    <p:sldId id="267" r:id="rId7"/>
-    <p:sldId id="259" r:id="rId8"/>
-    <p:sldId id="261" r:id="rId9"/>
-    <p:sldId id="266" r:id="rId10"/>
-    <p:sldId id="262" r:id="rId11"/>
-    <p:sldId id="263" r:id="rId12"/>
-    <p:sldId id="265" r:id="rId13"/>
+    <p:sldId id="269" r:id="rId6"/>
+    <p:sldId id="260" r:id="rId7"/>
+    <p:sldId id="267" r:id="rId8"/>
+    <p:sldId id="259" r:id="rId9"/>
+    <p:sldId id="261" r:id="rId10"/>
+    <p:sldId id="266" r:id="rId11"/>
   </p:sldIdLst>
   <p:sldSz cx="12192000" cy="6858000"/>
   <p:notesSz cx="6858000" cy="9144000"/>
@@ -282,7 +280,7 @@
           <a:p>
             <a:fld id="{6FD30967-73D8-4BC5-8AAD-C817C2886B90}" type="datetimeFigureOut">
               <a:rPr kumimoji="1" lang="ja-JP" altLang="en-US" smtClean="0"/>
-              <a:t>2023/6/22</a:t>
+              <a:t>2023/6/23</a:t>
             </a:fld>
             <a:endParaRPr kumimoji="1" lang="ja-JP" altLang="en-US"/>
           </a:p>
@@ -512,7 +510,7 @@
           <a:p>
             <a:fld id="{6FD30967-73D8-4BC5-8AAD-C817C2886B90}" type="datetimeFigureOut">
               <a:rPr kumimoji="1" lang="ja-JP" altLang="en-US" smtClean="0"/>
-              <a:t>2023/6/22</a:t>
+              <a:t>2023/6/23</a:t>
             </a:fld>
             <a:endParaRPr kumimoji="1" lang="ja-JP" altLang="en-US"/>
           </a:p>
@@ -752,7 +750,7 @@
           <a:p>
             <a:fld id="{6FD30967-73D8-4BC5-8AAD-C817C2886B90}" type="datetimeFigureOut">
               <a:rPr kumimoji="1" lang="ja-JP" altLang="en-US" smtClean="0"/>
-              <a:t>2023/6/22</a:t>
+              <a:t>2023/6/23</a:t>
             </a:fld>
             <a:endParaRPr kumimoji="1" lang="ja-JP" altLang="en-US"/>
           </a:p>
@@ -982,7 +980,7 @@
           <a:p>
             <a:fld id="{6FD30967-73D8-4BC5-8AAD-C817C2886B90}" type="datetimeFigureOut">
               <a:rPr kumimoji="1" lang="ja-JP" altLang="en-US" smtClean="0"/>
-              <a:t>2023/6/22</a:t>
+              <a:t>2023/6/23</a:t>
             </a:fld>
             <a:endParaRPr kumimoji="1" lang="ja-JP" altLang="en-US"/>
           </a:p>
@@ -1257,7 +1255,7 @@
           <a:p>
             <a:fld id="{6FD30967-73D8-4BC5-8AAD-C817C2886B90}" type="datetimeFigureOut">
               <a:rPr kumimoji="1" lang="ja-JP" altLang="en-US" smtClean="0"/>
-              <a:t>2023/6/22</a:t>
+              <a:t>2023/6/23</a:t>
             </a:fld>
             <a:endParaRPr kumimoji="1" lang="ja-JP" altLang="en-US"/>
           </a:p>
@@ -1586,7 +1584,7 @@
           <a:p>
             <a:fld id="{6FD30967-73D8-4BC5-8AAD-C817C2886B90}" type="datetimeFigureOut">
               <a:rPr kumimoji="1" lang="ja-JP" altLang="en-US" smtClean="0"/>
-              <a:t>2023/6/22</a:t>
+              <a:t>2023/6/23</a:t>
             </a:fld>
             <a:endParaRPr kumimoji="1" lang="ja-JP" altLang="en-US"/>
           </a:p>
@@ -2062,7 +2060,7 @@
           <a:p>
             <a:fld id="{6FD30967-73D8-4BC5-8AAD-C817C2886B90}" type="datetimeFigureOut">
               <a:rPr kumimoji="1" lang="ja-JP" altLang="en-US" smtClean="0"/>
-              <a:t>2023/6/22</a:t>
+              <a:t>2023/6/23</a:t>
             </a:fld>
             <a:endParaRPr kumimoji="1" lang="ja-JP" altLang="en-US"/>
           </a:p>
@@ -2203,7 +2201,7 @@
           <a:p>
             <a:fld id="{6FD30967-73D8-4BC5-8AAD-C817C2886B90}" type="datetimeFigureOut">
               <a:rPr kumimoji="1" lang="ja-JP" altLang="en-US" smtClean="0"/>
-              <a:t>2023/6/22</a:t>
+              <a:t>2023/6/23</a:t>
             </a:fld>
             <a:endParaRPr kumimoji="1" lang="ja-JP" altLang="en-US"/>
           </a:p>
@@ -2316,7 +2314,7 @@
           <a:p>
             <a:fld id="{6FD30967-73D8-4BC5-8AAD-C817C2886B90}" type="datetimeFigureOut">
               <a:rPr kumimoji="1" lang="ja-JP" altLang="en-US" smtClean="0"/>
-              <a:t>2023/6/22</a:t>
+              <a:t>2023/6/23</a:t>
             </a:fld>
             <a:endParaRPr kumimoji="1" lang="ja-JP" altLang="en-US"/>
           </a:p>
@@ -2659,7 +2657,7 @@
           <a:p>
             <a:fld id="{6FD30967-73D8-4BC5-8AAD-C817C2886B90}" type="datetimeFigureOut">
               <a:rPr kumimoji="1" lang="ja-JP" altLang="en-US" smtClean="0"/>
-              <a:t>2023/6/22</a:t>
+              <a:t>2023/6/23</a:t>
             </a:fld>
             <a:endParaRPr kumimoji="1" lang="ja-JP" altLang="en-US"/>
           </a:p>
@@ -2947,7 +2945,7 @@
           <a:p>
             <a:fld id="{6FD30967-73D8-4BC5-8AAD-C817C2886B90}" type="datetimeFigureOut">
               <a:rPr kumimoji="1" lang="ja-JP" altLang="en-US" smtClean="0"/>
-              <a:t>2023/6/22</a:t>
+              <a:t>2023/6/23</a:t>
             </a:fld>
             <a:endParaRPr kumimoji="1" lang="ja-JP" altLang="en-US"/>
           </a:p>
@@ -3220,7 +3218,7 @@
           <a:p>
             <a:fld id="{6FD30967-73D8-4BC5-8AAD-C817C2886B90}" type="datetimeFigureOut">
               <a:rPr kumimoji="1" lang="ja-JP" altLang="en-US" smtClean="0"/>
-              <a:t>2023/6/22</a:t>
+              <a:t>2023/6/23</a:t>
             </a:fld>
             <a:endParaRPr kumimoji="1" lang="ja-JP" altLang="en-US"/>
           </a:p>
@@ -4012,10 +4010,10 @@
       </p:grpSpPr>
       <p:sp>
         <p:nvSpPr>
-          <p:cNvPr id="4" name="テキスト ボックス 3">
-            <a:extLst>
-              <a:ext uri="{FF2B5EF4-FFF2-40B4-BE49-F238E27FC236}">
-                <a16:creationId xmlns:a16="http://schemas.microsoft.com/office/drawing/2014/main" id="{8AFA078C-0517-F653-96EB-D81C65F46E37}"/>
+          <p:cNvPr id="8" name="テキスト ボックス 7">
+            <a:extLst>
+              <a:ext uri="{FF2B5EF4-FFF2-40B4-BE49-F238E27FC236}">
+                <a16:creationId xmlns:a16="http://schemas.microsoft.com/office/drawing/2014/main" id="{E06531FD-ABA6-3AC3-B31F-DDE460380556}"/>
               </a:ext>
             </a:extLst>
           </p:cNvPr>
@@ -4024,8 +4022,8 @@
         </p:nvSpPr>
         <p:spPr>
           <a:xfrm>
-            <a:off x="361950" y="323850"/>
-            <a:ext cx="11287125" cy="4124206"/>
+            <a:off x="352926" y="272716"/>
+            <a:ext cx="2262158" cy="369332"/>
           </a:xfrm>
           <a:prstGeom prst="rect">
             <a:avLst/>
@@ -4033,143 +4031,24 @@
           <a:noFill/>
         </p:spPr>
         <p:txBody>
-          <a:bodyPr wrap="square" rtlCol="0">
+          <a:bodyPr wrap="none" rtlCol="0">
             <a:spAutoFit/>
           </a:bodyPr>
           <a:lstStyle/>
           <a:p>
             <a:r>
               <a:rPr kumimoji="1" lang="ja-JP" altLang="en-US" b="1" dirty="0"/>
-              <a:t>タスク</a:t>
-            </a:r>
-            <a:endParaRPr kumimoji="1" lang="en-US" altLang="ja-JP" b="1" dirty="0"/>
-          </a:p>
-          <a:p>
-            <a:endParaRPr lang="en-US" altLang="ja-JP" dirty="0"/>
-          </a:p>
-          <a:p>
-            <a:r>
-              <a:rPr lang="ja-JP" altLang="en-US" dirty="0"/>
-              <a:t>出来ている事</a:t>
-            </a:r>
-            <a:endParaRPr kumimoji="1" lang="en-US" altLang="ja-JP" dirty="0"/>
-          </a:p>
-          <a:p>
-            <a:endParaRPr lang="en-US" altLang="ja-JP" dirty="0"/>
-          </a:p>
-          <a:p>
-            <a:r>
-              <a:rPr lang="ja-JP" altLang="en-US" dirty="0"/>
-              <a:t>・キャラクターのアニメーション</a:t>
-            </a:r>
-            <a:endParaRPr lang="en-US" altLang="ja-JP" dirty="0"/>
-          </a:p>
-          <a:p>
-            <a:r>
-              <a:rPr lang="ja-JP" altLang="en-US" sz="1400" dirty="0"/>
-              <a:t>　→　一応、「歩く」「走る（</a:t>
-            </a:r>
-            <a:r>
-              <a:rPr lang="en-US" altLang="ja-JP" sz="1400" dirty="0"/>
-              <a:t>Shift</a:t>
-            </a:r>
-            <a:r>
-              <a:rPr lang="ja-JP" altLang="en-US" sz="1400" dirty="0"/>
-              <a:t>キー押しっぱなし）」は可能（</a:t>
-            </a:r>
-            <a:r>
-              <a:rPr lang="en-US" altLang="ja-JP" sz="1400" dirty="0"/>
-              <a:t>WASD</a:t>
-            </a:r>
-            <a:r>
-              <a:rPr lang="ja-JP" altLang="en-US" sz="1400" dirty="0"/>
-              <a:t>で移動）</a:t>
-            </a:r>
-            <a:endParaRPr lang="en-US" altLang="ja-JP" sz="1400" dirty="0"/>
-          </a:p>
-          <a:p>
-            <a:r>
-              <a:rPr lang="ja-JP" altLang="en-US" sz="1400" dirty="0"/>
-              <a:t>　→　コード内には「ジャンプ」と「落ちる」は作ってあるがまだ必要な場面が無かったので使ってない</a:t>
-            </a:r>
-            <a:endParaRPr lang="en-US" altLang="ja-JP" sz="1400" dirty="0"/>
-          </a:p>
-          <a:p>
-            <a:endParaRPr lang="en-US" altLang="ja-JP" dirty="0"/>
-          </a:p>
-          <a:p>
-            <a:r>
-              <a:rPr lang="ja-JP" altLang="en-US" dirty="0"/>
-              <a:t>・カメラ</a:t>
-            </a:r>
-            <a:endParaRPr lang="en-US" altLang="ja-JP" dirty="0"/>
-          </a:p>
-          <a:p>
-            <a:r>
-              <a:rPr lang="ja-JP" altLang="en-US" dirty="0"/>
-              <a:t>　</a:t>
-            </a:r>
-            <a:r>
-              <a:rPr lang="ja-JP" altLang="en-US" sz="1400" dirty="0"/>
-              <a:t>→　一応、マウスを動かすとカメラが主人公の周りをまわり、カメラの方向と</a:t>
-            </a:r>
-            <a:r>
-              <a:rPr lang="en-US" altLang="ja-JP" sz="1400" dirty="0"/>
-              <a:t>WASD</a:t>
-            </a:r>
-            <a:r>
-              <a:rPr lang="ja-JP" altLang="en-US" sz="1400" dirty="0"/>
-              <a:t>の移動が合う様にしている</a:t>
-            </a:r>
-            <a:endParaRPr lang="en-US" altLang="ja-JP" dirty="0"/>
-          </a:p>
-          <a:p>
-            <a:endParaRPr lang="en-US" altLang="ja-JP" dirty="0"/>
-          </a:p>
-          <a:p>
-            <a:r>
-              <a:rPr lang="ja-JP" altLang="en-US" dirty="0"/>
-              <a:t>・エリアに流す</a:t>
-            </a:r>
-            <a:r>
-              <a:rPr lang="en-US" altLang="ja-JP" dirty="0"/>
-              <a:t>BGM</a:t>
-            </a:r>
-            <a:r>
-              <a:rPr lang="ja-JP" altLang="en-US" dirty="0"/>
-              <a:t>はフリー素材でとりあえずダウンロード済み</a:t>
-            </a:r>
-            <a:endParaRPr lang="en-US" altLang="ja-JP" dirty="0"/>
-          </a:p>
-          <a:p>
-            <a:endParaRPr lang="en-US" altLang="ja-JP" dirty="0"/>
-          </a:p>
-          <a:p>
-            <a:r>
-              <a:rPr lang="ja-JP" altLang="en-US" dirty="0"/>
-              <a:t>・ダンジョンメーカーやワープ装置モデルなどのアセットはプロジェクトにインポート済み</a:t>
-            </a:r>
-            <a:endParaRPr lang="en-US" altLang="ja-JP" dirty="0"/>
-          </a:p>
-          <a:p>
-            <a:r>
-              <a:rPr lang="ja-JP" altLang="en-US" dirty="0"/>
-              <a:t>　</a:t>
-            </a:r>
-            <a:r>
-              <a:rPr lang="ja-JP" altLang="en-US" sz="1400" dirty="0"/>
-              <a:t>→　アセットストアで他に良さそうな物が見つかったら入れても構わないが、最終的には必要最低限の物だけ残して後は削除する</a:t>
-            </a:r>
-            <a:endParaRPr lang="en-US" altLang="ja-JP" dirty="0"/>
-          </a:p>
-        </p:txBody>
-      </p:sp>
-      <p:sp>
-        <p:nvSpPr>
-          <p:cNvPr id="5" name="テキスト ボックス 4">
-            <a:extLst>
-              <a:ext uri="{FF2B5EF4-FFF2-40B4-BE49-F238E27FC236}">
-                <a16:creationId xmlns:a16="http://schemas.microsoft.com/office/drawing/2014/main" id="{0CE36B81-CF4F-1ED6-C685-C89D6F73924D}"/>
+              <a:t>ゲームのシーン＃４</a:t>
+            </a:r>
+          </a:p>
+        </p:txBody>
+      </p:sp>
+      <p:sp>
+        <p:nvSpPr>
+          <p:cNvPr id="9" name="テキスト ボックス 8">
+            <a:extLst>
+              <a:ext uri="{FF2B5EF4-FFF2-40B4-BE49-F238E27FC236}">
+                <a16:creationId xmlns:a16="http://schemas.microsoft.com/office/drawing/2014/main" id="{7D55B51D-9A59-F2A0-6111-E5CDEAFB8E78}"/>
               </a:ext>
             </a:extLst>
           </p:cNvPr>
@@ -4178,8 +4057,8 @@
         </p:nvSpPr>
         <p:spPr>
           <a:xfrm>
-            <a:off x="1485900" y="2471797"/>
-            <a:ext cx="2031325" cy="276999"/>
+            <a:off x="264696" y="890157"/>
+            <a:ext cx="11527254" cy="1354217"/>
           </a:xfrm>
           <a:prstGeom prst="rect">
             <a:avLst/>
@@ -4187,443 +4066,51 @@
           <a:noFill/>
         </p:spPr>
         <p:txBody>
-          <a:bodyPr wrap="none" rtlCol="0">
-            <a:spAutoFit/>
-          </a:bodyPr>
-          <a:lstStyle/>
-          <a:p>
-            <a:r>
-              <a:rPr kumimoji="1" lang="en-US" altLang="ja-JP" sz="1200" dirty="0">
-                <a:solidFill>
-                  <a:srgbClr val="FF0000"/>
-                </a:solidFill>
-              </a:rPr>
-              <a:t>※</a:t>
-            </a:r>
-            <a:r>
-              <a:rPr kumimoji="1" lang="ja-JP" altLang="en-US" sz="1200" dirty="0">
-                <a:solidFill>
-                  <a:srgbClr val="FF0000"/>
-                </a:solidFill>
-              </a:rPr>
-              <a:t>カメラ感度の調整が必要</a:t>
-            </a:r>
-          </a:p>
-        </p:txBody>
-      </p:sp>
-    </p:spTree>
-    <p:extLst>
-      <p:ext uri="{BB962C8B-B14F-4D97-AF65-F5344CB8AC3E}">
-        <p14:creationId xmlns:p14="http://schemas.microsoft.com/office/powerpoint/2010/main" val="3719845665"/>
-      </p:ext>
-    </p:extLst>
-  </p:cSld>
-  <p:clrMapOvr>
-    <a:masterClrMapping/>
-  </p:clrMapOvr>
-</p:sld>
-</file>
-
-<file path=ppt/slides/slide11.xml><?xml version="1.0" encoding="utf-8"?>
-<p:sld xmlns:a="http://schemas.openxmlformats.org/drawingml/2006/main" xmlns:r="http://schemas.openxmlformats.org/officeDocument/2006/relationships" xmlns:p="http://schemas.openxmlformats.org/presentationml/2006/main">
-  <p:cSld>
-    <p:spTree>
-      <p:nvGrpSpPr>
-        <p:cNvPr id="1" name=""/>
-        <p:cNvGrpSpPr/>
-        <p:nvPr/>
-      </p:nvGrpSpPr>
-      <p:grpSpPr>
-        <a:xfrm>
-          <a:off x="0" y="0"/>
-          <a:ext cx="0" cy="0"/>
-          <a:chOff x="0" y="0"/>
-          <a:chExt cx="0" cy="0"/>
-        </a:xfrm>
-      </p:grpSpPr>
-      <p:sp>
-        <p:nvSpPr>
-          <p:cNvPr id="4" name="テキスト ボックス 3">
-            <a:extLst>
-              <a:ext uri="{FF2B5EF4-FFF2-40B4-BE49-F238E27FC236}">
-                <a16:creationId xmlns:a16="http://schemas.microsoft.com/office/drawing/2014/main" id="{8AFA078C-0517-F653-96EB-D81C65F46E37}"/>
-              </a:ext>
-            </a:extLst>
-          </p:cNvPr>
-          <p:cNvSpPr txBox="1"/>
-          <p:nvPr/>
-        </p:nvSpPr>
-        <p:spPr>
-          <a:xfrm>
-            <a:off x="361950" y="323850"/>
-            <a:ext cx="11287125" cy="5355312"/>
-          </a:xfrm>
-          <a:prstGeom prst="rect">
-            <a:avLst/>
-          </a:prstGeom>
-          <a:noFill/>
-        </p:spPr>
-        <p:txBody>
           <a:bodyPr wrap="square" rtlCol="0">
             <a:spAutoFit/>
           </a:bodyPr>
           <a:lstStyle/>
           <a:p>
             <a:r>
-              <a:rPr kumimoji="1" lang="ja-JP" altLang="en-US" b="1" dirty="0"/>
-              <a:t>タスク</a:t>
-            </a:r>
-            <a:endParaRPr kumimoji="1" lang="en-US" altLang="ja-JP" b="1" dirty="0"/>
+              <a:rPr kumimoji="1" lang="ja-JP" altLang="en-US" dirty="0"/>
+              <a:t>エンディングは、暗闇の中に主人公が入って行ってだんだん姿が見えなくなるような簡単な演出で良い</a:t>
+            </a:r>
+            <a:endParaRPr kumimoji="1" lang="en-US" altLang="ja-JP" dirty="0"/>
           </a:p>
           <a:p>
             <a:endParaRPr lang="en-US" altLang="ja-JP" dirty="0"/>
           </a:p>
           <a:p>
             <a:r>
-              <a:rPr lang="ja-JP" altLang="en-US" dirty="0"/>
-              <a:t>やる事</a:t>
-            </a:r>
-            <a:endParaRPr lang="en-US" altLang="ja-JP" dirty="0"/>
-          </a:p>
-          <a:p>
-            <a:endParaRPr lang="en-US" altLang="ja-JP" dirty="0"/>
-          </a:p>
-          <a:p>
-            <a:r>
-              <a:rPr lang="ja-JP" altLang="en-US" dirty="0"/>
-              <a:t>・スタートエリアからダンジョンエリアにワープする仕組み</a:t>
-            </a:r>
-            <a:endParaRPr lang="en-US" altLang="ja-JP" dirty="0"/>
-          </a:p>
-          <a:p>
-            <a:r>
-              <a:rPr lang="ja-JP" altLang="en-US" dirty="0"/>
-              <a:t>　</a:t>
-            </a:r>
+              <a:rPr kumimoji="1" lang="en-US" altLang="ja-JP" dirty="0"/>
+              <a:t>※</a:t>
+            </a:r>
+            <a:r>
+              <a:rPr kumimoji="1" lang="ja-JP" altLang="en-US" dirty="0"/>
+              <a:t>主人公の後ろに謎の影が現れて続きが気になるような要素を入れる</a:t>
+            </a:r>
+            <a:endParaRPr kumimoji="1" lang="en-US" altLang="ja-JP" dirty="0"/>
+          </a:p>
+          <a:p>
             <a:r>
               <a:rPr lang="ja-JP" altLang="en-US" sz="1400" dirty="0"/>
-              <a:t>→　主人公の姿が上から消えていくアニメーション？シェーダーエフェクトを作る必要があるかな</a:t>
-            </a:r>
-            <a:endParaRPr lang="en-US" altLang="ja-JP" dirty="0"/>
-          </a:p>
-          <a:p>
-            <a:endParaRPr lang="en-US" altLang="ja-JP" dirty="0"/>
-          </a:p>
-          <a:p>
-            <a:r>
-              <a:rPr lang="ja-JP" altLang="en-US" dirty="0"/>
-              <a:t>・ダンジョンがちゃんと再構築できるようにする</a:t>
-            </a:r>
+              <a:t>　→　もうちょっと世界観やストーリーを作る必要あり</a:t>
+            </a:r>
+            <a:endParaRPr kumimoji="1" lang="en-US" altLang="ja-JP" sz="1400" dirty="0"/>
+          </a:p>
+          <a:p>
             <a:r>
               <a:rPr lang="ja-JP" altLang="en-US" sz="1400" dirty="0"/>
-              <a:t>（ちょっとしたエラーが出るのでそこを直す必要あり）</a:t>
-            </a:r>
-            <a:endParaRPr lang="en-US" altLang="ja-JP" sz="1400" dirty="0"/>
-          </a:p>
-          <a:p>
-            <a:endParaRPr lang="en-US" altLang="ja-JP" dirty="0"/>
-          </a:p>
-          <a:p>
-            <a:r>
-              <a:rPr lang="ja-JP" altLang="en-US" dirty="0"/>
-              <a:t>・スタートエリア＆ダンジョンの装飾</a:t>
-            </a:r>
-            <a:r>
-              <a:rPr lang="ja-JP" altLang="en-US" sz="1400" dirty="0"/>
-              <a:t>（各オブジェクトにコライダーを設けてちゃんと通り抜けられないようにする）</a:t>
-            </a:r>
-            <a:endParaRPr lang="en-US" altLang="ja-JP" dirty="0"/>
-          </a:p>
-          <a:p>
-            <a:endParaRPr lang="en-US" altLang="ja-JP" dirty="0"/>
-          </a:p>
-          <a:p>
-            <a:r>
-              <a:rPr lang="ja-JP" altLang="en-US" dirty="0"/>
-              <a:t>・</a:t>
-            </a:r>
-            <a:r>
-              <a:rPr lang="en-US" altLang="ja-JP" dirty="0"/>
-              <a:t>UI</a:t>
-            </a:r>
-          </a:p>
-          <a:p>
-            <a:r>
-              <a:rPr lang="ja-JP" altLang="en-US" dirty="0"/>
-              <a:t>　メニュー画面など</a:t>
-            </a:r>
-            <a:r>
-              <a:rPr lang="ja-JP" altLang="en-US" sz="1400" dirty="0"/>
-              <a:t>（オプション画面で操作感度の調整が出来る仕組みが必要かな）</a:t>
-            </a:r>
-            <a:endParaRPr lang="en-US" altLang="ja-JP" sz="1400" dirty="0"/>
-          </a:p>
-          <a:p>
-            <a:r>
-              <a:rPr lang="ja-JP" altLang="en-US" dirty="0"/>
-              <a:t>　スキルボタンを表示する？</a:t>
-            </a:r>
-            <a:endParaRPr lang="en-US" altLang="ja-JP" dirty="0"/>
-          </a:p>
-          <a:p>
-            <a:r>
-              <a:rPr lang="ja-JP" altLang="en-US" dirty="0"/>
-              <a:t>　</a:t>
-            </a:r>
-            <a:r>
-              <a:rPr lang="en-US" altLang="ja-JP" dirty="0"/>
-              <a:t>HP</a:t>
-            </a:r>
-            <a:r>
-              <a:rPr lang="ja-JP" altLang="en-US" dirty="0"/>
-              <a:t>を表示する？</a:t>
-            </a:r>
-            <a:r>
-              <a:rPr lang="ja-JP" altLang="en-US" sz="1400" dirty="0"/>
-              <a:t>（個人的には敵も味方も</a:t>
-            </a:r>
-            <a:r>
-              <a:rPr lang="en-US" altLang="ja-JP" sz="1400" dirty="0"/>
-              <a:t>HP</a:t>
-            </a:r>
-            <a:r>
-              <a:rPr lang="ja-JP" altLang="en-US" sz="1400" dirty="0"/>
-              <a:t>表示はしない方が面白いと思う派）</a:t>
-            </a:r>
-            <a:endParaRPr lang="en-US" altLang="ja-JP" sz="1400" dirty="0"/>
-          </a:p>
-          <a:p>
-            <a:endParaRPr lang="en-US" altLang="ja-JP" dirty="0"/>
-          </a:p>
-          <a:p>
-            <a:r>
-              <a:rPr lang="ja-JP" altLang="en-US" dirty="0"/>
-              <a:t>・ランダムに動き回る敵を作る＆数が減ったらリスポーンする仕組み</a:t>
-            </a:r>
-            <a:endParaRPr lang="en-US" altLang="ja-JP" dirty="0"/>
-          </a:p>
-          <a:p>
-            <a:r>
-              <a:rPr lang="ja-JP" altLang="en-US" dirty="0"/>
-              <a:t>　</a:t>
-            </a:r>
-            <a:r>
-              <a:rPr lang="ja-JP" altLang="en-US" sz="1400" dirty="0"/>
-              <a:t>（</a:t>
-            </a:r>
-            <a:r>
-              <a:rPr lang="en-US" altLang="ja-JP" sz="1400" dirty="0"/>
-              <a:t>AI</a:t>
-            </a:r>
-            <a:r>
-              <a:rPr lang="ja-JP" altLang="en-US" sz="1400" dirty="0"/>
-              <a:t>を作る必要があるか、、、主人公が視野に入ったら主人公の方に近づいてくるだけでも敵のふるまいにはなる）</a:t>
-            </a:r>
-            <a:endParaRPr lang="en-US" altLang="ja-JP" sz="1400" dirty="0"/>
-          </a:p>
-          <a:p>
-            <a:r>
-              <a:rPr lang="ja-JP" altLang="en-US" dirty="0"/>
-              <a:t>　ボスまで作れたら嬉しい</a:t>
-            </a:r>
-            <a:r>
-              <a:rPr lang="ja-JP" altLang="en-US" sz="1400" dirty="0"/>
-              <a:t>（ボス戦用のエリアが必要になってくるかも）</a:t>
-            </a:r>
-            <a:endParaRPr lang="en-US" altLang="ja-JP" dirty="0"/>
+              <a:t>　→　ゲームやドラマではみんなやっている事なので、大事な事だと個人的には思っている</a:t>
+            </a:r>
+            <a:endParaRPr kumimoji="1" lang="en-US" altLang="ja-JP" dirty="0"/>
           </a:p>
         </p:txBody>
       </p:sp>
     </p:spTree>
     <p:extLst>
       <p:ext uri="{BB962C8B-B14F-4D97-AF65-F5344CB8AC3E}">
-        <p14:creationId xmlns:p14="http://schemas.microsoft.com/office/powerpoint/2010/main" val="868623677"/>
-      </p:ext>
-    </p:extLst>
-  </p:cSld>
-  <p:clrMapOvr>
-    <a:masterClrMapping/>
-  </p:clrMapOvr>
-</p:sld>
-</file>
-
-<file path=ppt/slides/slide12.xml><?xml version="1.0" encoding="utf-8"?>
-<p:sld xmlns:a="http://schemas.openxmlformats.org/drawingml/2006/main" xmlns:r="http://schemas.openxmlformats.org/officeDocument/2006/relationships" xmlns:p="http://schemas.openxmlformats.org/presentationml/2006/main">
-  <p:cSld>
-    <p:spTree>
-      <p:nvGrpSpPr>
-        <p:cNvPr id="1" name=""/>
-        <p:cNvGrpSpPr/>
-        <p:nvPr/>
-      </p:nvGrpSpPr>
-      <p:grpSpPr>
-        <a:xfrm>
-          <a:off x="0" y="0"/>
-          <a:ext cx="0" cy="0"/>
-          <a:chOff x="0" y="0"/>
-          <a:chExt cx="0" cy="0"/>
-        </a:xfrm>
-      </p:grpSpPr>
-      <p:sp>
-        <p:nvSpPr>
-          <p:cNvPr id="4" name="テキスト ボックス 3">
-            <a:extLst>
-              <a:ext uri="{FF2B5EF4-FFF2-40B4-BE49-F238E27FC236}">
-                <a16:creationId xmlns:a16="http://schemas.microsoft.com/office/drawing/2014/main" id="{8AFA078C-0517-F653-96EB-D81C65F46E37}"/>
-              </a:ext>
-            </a:extLst>
-          </p:cNvPr>
-          <p:cNvSpPr txBox="1"/>
-          <p:nvPr/>
-        </p:nvSpPr>
-        <p:spPr>
-          <a:xfrm>
-            <a:off x="361950" y="323850"/>
-            <a:ext cx="11287125" cy="5909310"/>
-          </a:xfrm>
-          <a:prstGeom prst="rect">
-            <a:avLst/>
-          </a:prstGeom>
-          <a:noFill/>
-        </p:spPr>
-        <p:txBody>
-          <a:bodyPr wrap="square" rtlCol="0">
-            <a:spAutoFit/>
-          </a:bodyPr>
-          <a:lstStyle/>
-          <a:p>
-            <a:r>
-              <a:rPr kumimoji="1" lang="ja-JP" altLang="en-US" b="1" dirty="0"/>
-              <a:t>タスク</a:t>
-            </a:r>
-            <a:endParaRPr kumimoji="1" lang="en-US" altLang="ja-JP" b="1" dirty="0"/>
-          </a:p>
-          <a:p>
-            <a:endParaRPr lang="en-US" altLang="ja-JP" dirty="0"/>
-          </a:p>
-          <a:p>
-            <a:r>
-              <a:rPr lang="ja-JP" altLang="en-US" dirty="0"/>
-              <a:t>やる事</a:t>
-            </a:r>
-            <a:endParaRPr lang="en-US" altLang="ja-JP" dirty="0"/>
-          </a:p>
-          <a:p>
-            <a:endParaRPr lang="en-US" altLang="ja-JP" dirty="0"/>
-          </a:p>
-          <a:p>
-            <a:r>
-              <a:rPr lang="ja-JP" altLang="en-US" dirty="0"/>
-              <a:t>・スキル＆アニメーション＆当たり判定</a:t>
-            </a:r>
-            <a:endParaRPr lang="en-US" altLang="ja-JP" dirty="0"/>
-          </a:p>
-          <a:p>
-            <a:r>
-              <a:rPr lang="ja-JP" altLang="en-US" dirty="0"/>
-              <a:t>　</a:t>
-            </a:r>
-            <a:r>
-              <a:rPr lang="ja-JP" altLang="en-US" sz="1400" dirty="0"/>
-              <a:t>まあ、頑張った方がいいが最悪マリオのジャンプで敵を踏みつけるとかでもいいかな。「ジャンプ」アクションが一応あるから</a:t>
-            </a:r>
-            <a:endParaRPr lang="en-US" altLang="ja-JP" dirty="0"/>
-          </a:p>
-          <a:p>
-            <a:endParaRPr lang="en-US" altLang="ja-JP" dirty="0"/>
-          </a:p>
-          <a:p>
-            <a:r>
-              <a:rPr lang="ja-JP" altLang="en-US" dirty="0"/>
-              <a:t>・オートセーブシステム</a:t>
-            </a:r>
-            <a:endParaRPr lang="en-US" altLang="ja-JP" dirty="0"/>
-          </a:p>
-          <a:p>
-            <a:r>
-              <a:rPr lang="ja-JP" altLang="en-US" dirty="0"/>
-              <a:t>　</a:t>
-            </a:r>
-            <a:r>
-              <a:rPr lang="ja-JP" altLang="en-US" sz="1400" dirty="0"/>
-              <a:t>→　スタートエリアに入るたびに（イントロ後とか、ダンジョンクリア後とか）セーブ</a:t>
-            </a:r>
-            <a:endParaRPr lang="en-US" altLang="ja-JP" dirty="0"/>
-          </a:p>
-          <a:p>
-            <a:endParaRPr lang="en-US" altLang="ja-JP" dirty="0"/>
-          </a:p>
-          <a:p>
-            <a:r>
-              <a:rPr lang="ja-JP" altLang="en-US" dirty="0"/>
-              <a:t>・ダンジョンで得たコインやステータスを保持しておく器　→　</a:t>
-            </a:r>
-            <a:r>
-              <a:rPr lang="en-US" altLang="ja-JP" dirty="0"/>
-              <a:t>UI</a:t>
-            </a:r>
-            <a:r>
-              <a:rPr lang="ja-JP" altLang="en-US" dirty="0"/>
-              <a:t>やイベント関係はこれを参照する形</a:t>
-            </a:r>
-            <a:endParaRPr lang="en-US" altLang="ja-JP" dirty="0"/>
-          </a:p>
-          <a:p>
-            <a:endParaRPr lang="en-US" altLang="ja-JP" dirty="0"/>
-          </a:p>
-          <a:p>
-            <a:r>
-              <a:rPr lang="ja-JP" altLang="en-US" dirty="0"/>
-              <a:t>・</a:t>
-            </a:r>
-            <a:endParaRPr lang="en-US" altLang="ja-JP" dirty="0"/>
-          </a:p>
-          <a:p>
-            <a:endParaRPr lang="en-US" altLang="ja-JP" dirty="0"/>
-          </a:p>
-          <a:p>
-            <a:r>
-              <a:rPr lang="ja-JP" altLang="en-US" dirty="0"/>
-              <a:t>・</a:t>
-            </a:r>
-            <a:endParaRPr lang="en-US" altLang="ja-JP" dirty="0"/>
-          </a:p>
-          <a:p>
-            <a:endParaRPr lang="en-US" altLang="ja-JP" dirty="0"/>
-          </a:p>
-          <a:p>
-            <a:r>
-              <a:rPr lang="ja-JP" altLang="en-US" dirty="0"/>
-              <a:t>・</a:t>
-            </a:r>
-            <a:endParaRPr lang="en-US" altLang="ja-JP" dirty="0"/>
-          </a:p>
-          <a:p>
-            <a:endParaRPr lang="en-US" altLang="ja-JP" dirty="0"/>
-          </a:p>
-          <a:p>
-            <a:r>
-              <a:rPr lang="ja-JP" altLang="en-US" dirty="0"/>
-              <a:t>・</a:t>
-            </a:r>
-            <a:endParaRPr lang="en-US" altLang="ja-JP" dirty="0"/>
-          </a:p>
-          <a:p>
-            <a:endParaRPr lang="en-US" altLang="ja-JP" dirty="0"/>
-          </a:p>
-          <a:p>
-            <a:r>
-              <a:rPr lang="ja-JP" altLang="en-US" dirty="0"/>
-              <a:t>・</a:t>
-            </a:r>
-            <a:endParaRPr lang="en-US" altLang="ja-JP" dirty="0"/>
-          </a:p>
-        </p:txBody>
-      </p:sp>
-    </p:spTree>
-    <p:extLst>
-      <p:ext uri="{BB962C8B-B14F-4D97-AF65-F5344CB8AC3E}">
-        <p14:creationId xmlns:p14="http://schemas.microsoft.com/office/powerpoint/2010/main" val="2606947992"/>
+        <p14:creationId xmlns:p14="http://schemas.microsoft.com/office/powerpoint/2010/main" val="2881149723"/>
       </p:ext>
     </p:extLst>
   </p:cSld>
@@ -5334,6 +4821,170 @@
       </p:grpSpPr>
       <p:sp>
         <p:nvSpPr>
+          <p:cNvPr id="4" name="テキスト ボックス 3">
+            <a:extLst>
+              <a:ext uri="{FF2B5EF4-FFF2-40B4-BE49-F238E27FC236}">
+                <a16:creationId xmlns:a16="http://schemas.microsoft.com/office/drawing/2014/main" id="{A55A4989-17F6-C30C-0CE2-2B3A7E728E76}"/>
+              </a:ext>
+            </a:extLst>
+          </p:cNvPr>
+          <p:cNvSpPr txBox="1"/>
+          <p:nvPr/>
+        </p:nvSpPr>
+        <p:spPr>
+          <a:xfrm>
+            <a:off x="537412" y="545432"/>
+            <a:ext cx="11341768" cy="3139321"/>
+          </a:xfrm>
+          <a:prstGeom prst="rect">
+            <a:avLst/>
+          </a:prstGeom>
+          <a:noFill/>
+        </p:spPr>
+        <p:txBody>
+          <a:bodyPr wrap="square" rtlCol="0">
+            <a:spAutoFit/>
+          </a:bodyPr>
+          <a:lstStyle/>
+          <a:p>
+            <a:r>
+              <a:rPr kumimoji="1" lang="ja-JP" altLang="en-US" b="1" dirty="0"/>
+              <a:t>いろいろ操作方法</a:t>
+            </a:r>
+            <a:endParaRPr kumimoji="1" lang="en-US" altLang="ja-JP" b="1" dirty="0"/>
+          </a:p>
+          <a:p>
+            <a:endParaRPr lang="en-US" altLang="ja-JP" dirty="0"/>
+          </a:p>
+          <a:p>
+            <a:r>
+              <a:rPr lang="ja-JP" altLang="en-US" dirty="0"/>
+              <a:t>・とりあえずキャラクターは</a:t>
+            </a:r>
+            <a:r>
+              <a:rPr lang="en-US" altLang="ja-JP" dirty="0"/>
+              <a:t>WASD</a:t>
+            </a:r>
+            <a:r>
+              <a:rPr lang="ja-JP" altLang="en-US" dirty="0"/>
+              <a:t>で前後左右に動く</a:t>
+            </a:r>
+            <a:endParaRPr lang="en-US" altLang="ja-JP" dirty="0"/>
+          </a:p>
+          <a:p>
+            <a:r>
+              <a:rPr lang="ja-JP" altLang="en-US" dirty="0"/>
+              <a:t>・キャラクターを映しているカメラ移動（回転？）はマウスの移動に連動している</a:t>
+            </a:r>
+            <a:endParaRPr lang="en-US" altLang="ja-JP" dirty="0"/>
+          </a:p>
+          <a:p>
+            <a:r>
+              <a:rPr lang="ja-JP" altLang="en-US" dirty="0"/>
+              <a:t>・とりあえず、ダンジョンエリアで</a:t>
+            </a:r>
+            <a:r>
+              <a:rPr lang="en-US" altLang="ja-JP" dirty="0"/>
+              <a:t>ESC</a:t>
+            </a:r>
+            <a:r>
+              <a:rPr lang="ja-JP" altLang="en-US" dirty="0"/>
+              <a:t>キーを押せばスタートエリアに戻るようにしている</a:t>
+            </a:r>
+            <a:endParaRPr lang="en-US" altLang="ja-JP" dirty="0"/>
+          </a:p>
+          <a:p>
+            <a:r>
+              <a:rPr lang="ja-JP" altLang="en-US" dirty="0"/>
+              <a:t>　</a:t>
+            </a:r>
+            <a:r>
+              <a:rPr lang="ja-JP" altLang="en-US" sz="1400" dirty="0"/>
+              <a:t>→　元々はゴールにオブジェクトを置いて、それに振れれば戻るようにしたかった</a:t>
+            </a:r>
+            <a:endParaRPr lang="en-US" altLang="ja-JP" sz="1400" dirty="0"/>
+          </a:p>
+          <a:p>
+            <a:endParaRPr lang="en-US" altLang="ja-JP" dirty="0"/>
+          </a:p>
+          <a:p>
+            <a:r>
+              <a:rPr lang="ja-JP" altLang="en-US" dirty="0"/>
+              <a:t>・スキルとかは数字キーとマウスクリックのコンビネーションになると思う</a:t>
+            </a:r>
+            <a:endParaRPr lang="en-US" altLang="ja-JP" dirty="0"/>
+          </a:p>
+          <a:p>
+            <a:r>
+              <a:rPr lang="ja-JP" altLang="en-US" dirty="0"/>
+              <a:t>　</a:t>
+            </a:r>
+            <a:r>
+              <a:rPr lang="ja-JP" altLang="en-US" sz="1400" dirty="0"/>
+              <a:t>→　例えば、ファイヤーボールが</a:t>
+            </a:r>
+            <a:r>
+              <a:rPr lang="en-US" altLang="ja-JP" sz="1400" dirty="0"/>
+              <a:t>1</a:t>
+            </a:r>
+            <a:r>
+              <a:rPr lang="ja-JP" altLang="en-US" sz="1400" dirty="0"/>
+              <a:t>キーに設定されている場合には</a:t>
+            </a:r>
+            <a:r>
+              <a:rPr lang="en-US" altLang="ja-JP" sz="1400" dirty="0"/>
+              <a:t>1</a:t>
+            </a:r>
+            <a:r>
+              <a:rPr lang="ja-JP" altLang="en-US" sz="1400" dirty="0"/>
+              <a:t>キーを押して使うときはマウスの左クリックで～とか</a:t>
+            </a:r>
+            <a:endParaRPr lang="en-US" altLang="ja-JP" dirty="0"/>
+          </a:p>
+          <a:p>
+            <a:endParaRPr lang="en-US" altLang="ja-JP" dirty="0"/>
+          </a:p>
+          <a:p>
+            <a:r>
+              <a:rPr lang="ja-JP" altLang="en-US" dirty="0"/>
+              <a:t>・</a:t>
+            </a:r>
+            <a:endParaRPr lang="en-US" altLang="ja-JP" dirty="0"/>
+          </a:p>
+        </p:txBody>
+      </p:sp>
+    </p:spTree>
+    <p:extLst>
+      <p:ext uri="{BB962C8B-B14F-4D97-AF65-F5344CB8AC3E}">
+        <p14:creationId xmlns:p14="http://schemas.microsoft.com/office/powerpoint/2010/main" val="3801957980"/>
+      </p:ext>
+    </p:extLst>
+  </p:cSld>
+  <p:clrMapOvr>
+    <a:masterClrMapping/>
+  </p:clrMapOvr>
+</p:sld>
+</file>
+
+<file path=ppt/slides/slide6.xml><?xml version="1.0" encoding="utf-8"?>
+<p:sld xmlns:a="http://schemas.openxmlformats.org/drawingml/2006/main" xmlns:r="http://schemas.openxmlformats.org/officeDocument/2006/relationships" xmlns:p="http://schemas.openxmlformats.org/presentationml/2006/main">
+  <p:cSld>
+    <p:spTree>
+      <p:nvGrpSpPr>
+        <p:cNvPr id="1" name=""/>
+        <p:cNvGrpSpPr/>
+        <p:nvPr/>
+      </p:nvGrpSpPr>
+      <p:grpSpPr>
+        <a:xfrm>
+          <a:off x="0" y="0"/>
+          <a:ext cx="0" cy="0"/>
+          <a:chOff x="0" y="0"/>
+          <a:chExt cx="0" cy="0"/>
+        </a:xfrm>
+      </p:grpSpPr>
+      <p:sp>
+        <p:nvSpPr>
           <p:cNvPr id="9" name="テキスト ボックス 8">
             <a:extLst>
               <a:ext uri="{FF2B5EF4-FFF2-40B4-BE49-F238E27FC236}">
@@ -5528,7 +5179,7 @@
 </p:sld>
 </file>
 
-<file path=ppt/slides/slide6.xml><?xml version="1.0" encoding="utf-8"?>
+<file path=ppt/slides/slide7.xml><?xml version="1.0" encoding="utf-8"?>
 <p:sld xmlns:a="http://schemas.openxmlformats.org/drawingml/2006/main" xmlns:r="http://schemas.openxmlformats.org/officeDocument/2006/relationships" xmlns:p="http://schemas.openxmlformats.org/presentationml/2006/main">
   <p:cSld>
     <p:spTree>
@@ -6265,7 +5916,7 @@
 </p:sld>
 </file>
 
-<file path=ppt/slides/slide7.xml><?xml version="1.0" encoding="utf-8"?>
+<file path=ppt/slides/slide8.xml><?xml version="1.0" encoding="utf-8"?>
 <p:sld xmlns:a="http://schemas.openxmlformats.org/drawingml/2006/main" xmlns:r="http://schemas.openxmlformats.org/officeDocument/2006/relationships" xmlns:p="http://schemas.openxmlformats.org/presentationml/2006/main">
   <p:cSld>
     <p:spTree>
@@ -6547,7 +6198,7 @@
 </p:sld>
 </file>
 
-<file path=ppt/slides/slide8.xml><?xml version="1.0" encoding="utf-8"?>
+<file path=ppt/slides/slide9.xml><?xml version="1.0" encoding="utf-8"?>
 <p:sld xmlns:a="http://schemas.openxmlformats.org/drawingml/2006/main" xmlns:r="http://schemas.openxmlformats.org/officeDocument/2006/relationships" xmlns:p="http://schemas.openxmlformats.org/presentationml/2006/main">
   <p:cSld>
     <p:spTree>
@@ -6770,135 +6421,6 @@
     <p:extLst>
       <p:ext uri="{BB962C8B-B14F-4D97-AF65-F5344CB8AC3E}">
         <p14:creationId xmlns:p14="http://schemas.microsoft.com/office/powerpoint/2010/main" val="3345497966"/>
-      </p:ext>
-    </p:extLst>
-  </p:cSld>
-  <p:clrMapOvr>
-    <a:masterClrMapping/>
-  </p:clrMapOvr>
-</p:sld>
-</file>
-
-<file path=ppt/slides/slide9.xml><?xml version="1.0" encoding="utf-8"?>
-<p:sld xmlns:a="http://schemas.openxmlformats.org/drawingml/2006/main" xmlns:r="http://schemas.openxmlformats.org/officeDocument/2006/relationships" xmlns:p="http://schemas.openxmlformats.org/presentationml/2006/main">
-  <p:cSld>
-    <p:spTree>
-      <p:nvGrpSpPr>
-        <p:cNvPr id="1" name=""/>
-        <p:cNvGrpSpPr/>
-        <p:nvPr/>
-      </p:nvGrpSpPr>
-      <p:grpSpPr>
-        <a:xfrm>
-          <a:off x="0" y="0"/>
-          <a:ext cx="0" cy="0"/>
-          <a:chOff x="0" y="0"/>
-          <a:chExt cx="0" cy="0"/>
-        </a:xfrm>
-      </p:grpSpPr>
-      <p:sp>
-        <p:nvSpPr>
-          <p:cNvPr id="8" name="テキスト ボックス 7">
-            <a:extLst>
-              <a:ext uri="{FF2B5EF4-FFF2-40B4-BE49-F238E27FC236}">
-                <a16:creationId xmlns:a16="http://schemas.microsoft.com/office/drawing/2014/main" id="{E06531FD-ABA6-3AC3-B31F-DDE460380556}"/>
-              </a:ext>
-            </a:extLst>
-          </p:cNvPr>
-          <p:cNvSpPr txBox="1"/>
-          <p:nvPr/>
-        </p:nvSpPr>
-        <p:spPr>
-          <a:xfrm>
-            <a:off x="352926" y="272716"/>
-            <a:ext cx="2262158" cy="369332"/>
-          </a:xfrm>
-          <a:prstGeom prst="rect">
-            <a:avLst/>
-          </a:prstGeom>
-          <a:noFill/>
-        </p:spPr>
-        <p:txBody>
-          <a:bodyPr wrap="none" rtlCol="0">
-            <a:spAutoFit/>
-          </a:bodyPr>
-          <a:lstStyle/>
-          <a:p>
-            <a:r>
-              <a:rPr kumimoji="1" lang="ja-JP" altLang="en-US" b="1" dirty="0"/>
-              <a:t>ゲームのシーン＃４</a:t>
-            </a:r>
-          </a:p>
-        </p:txBody>
-      </p:sp>
-      <p:sp>
-        <p:nvSpPr>
-          <p:cNvPr id="9" name="テキスト ボックス 8">
-            <a:extLst>
-              <a:ext uri="{FF2B5EF4-FFF2-40B4-BE49-F238E27FC236}">
-                <a16:creationId xmlns:a16="http://schemas.microsoft.com/office/drawing/2014/main" id="{7D55B51D-9A59-F2A0-6111-E5CDEAFB8E78}"/>
-              </a:ext>
-            </a:extLst>
-          </p:cNvPr>
-          <p:cNvSpPr txBox="1"/>
-          <p:nvPr/>
-        </p:nvSpPr>
-        <p:spPr>
-          <a:xfrm>
-            <a:off x="264696" y="890157"/>
-            <a:ext cx="11527254" cy="1354217"/>
-          </a:xfrm>
-          <a:prstGeom prst="rect">
-            <a:avLst/>
-          </a:prstGeom>
-          <a:noFill/>
-        </p:spPr>
-        <p:txBody>
-          <a:bodyPr wrap="square" rtlCol="0">
-            <a:spAutoFit/>
-          </a:bodyPr>
-          <a:lstStyle/>
-          <a:p>
-            <a:r>
-              <a:rPr kumimoji="1" lang="ja-JP" altLang="en-US" dirty="0"/>
-              <a:t>エンディングは、暗闇の中に主人公が入って行ってだんだん姿が見えなくなるような簡単な演出で良い</a:t>
-            </a:r>
-            <a:endParaRPr kumimoji="1" lang="en-US" altLang="ja-JP" dirty="0"/>
-          </a:p>
-          <a:p>
-            <a:endParaRPr lang="en-US" altLang="ja-JP" dirty="0"/>
-          </a:p>
-          <a:p>
-            <a:r>
-              <a:rPr kumimoji="1" lang="en-US" altLang="ja-JP" dirty="0"/>
-              <a:t>※</a:t>
-            </a:r>
-            <a:r>
-              <a:rPr kumimoji="1" lang="ja-JP" altLang="en-US" dirty="0"/>
-              <a:t>主人公の後ろに謎の影が現れて続きが気になるような要素を入れる</a:t>
-            </a:r>
-            <a:endParaRPr kumimoji="1" lang="en-US" altLang="ja-JP" dirty="0"/>
-          </a:p>
-          <a:p>
-            <a:r>
-              <a:rPr lang="ja-JP" altLang="en-US" sz="1400" dirty="0"/>
-              <a:t>　→　もうちょっと世界観やストーリーを作る必要あり</a:t>
-            </a:r>
-            <a:endParaRPr kumimoji="1" lang="en-US" altLang="ja-JP" sz="1400" dirty="0"/>
-          </a:p>
-          <a:p>
-            <a:r>
-              <a:rPr lang="ja-JP" altLang="en-US" sz="1400" dirty="0"/>
-              <a:t>　→　ゲームやドラマではみんなやっている事なので、大事な事だと個人的には思っている</a:t>
-            </a:r>
-            <a:endParaRPr kumimoji="1" lang="en-US" altLang="ja-JP" dirty="0"/>
-          </a:p>
-        </p:txBody>
-      </p:sp>
-    </p:spTree>
-    <p:extLst>
-      <p:ext uri="{BB962C8B-B14F-4D97-AF65-F5344CB8AC3E}">
-        <p14:creationId xmlns:p14="http://schemas.microsoft.com/office/powerpoint/2010/main" val="2881149723"/>
       </p:ext>
     </p:extLst>
   </p:cSld>

--- a/Indie Game Challenge/Assets/Document/開発資料.pptx
+++ b/Indie Game Challenge/Assets/Document/開発資料.pptx
@@ -4615,7 +4615,7 @@
           <a:p>
             <a:r>
               <a:rPr lang="ja-JP" altLang="en-US" dirty="0"/>
-              <a:t>・かわいいキャラクター、神</a:t>
+              <a:t>・かわいいキャラクター、かっこいい</a:t>
             </a:r>
             <a:r>
               <a:rPr lang="en-US" altLang="ja-JP" dirty="0"/>
@@ -4623,7 +4623,7 @@
             </a:r>
             <a:r>
               <a:rPr lang="ja-JP" altLang="en-US" dirty="0"/>
-              <a:t>、ハマる世界観とかは正直無理だから諦めている</a:t>
+              <a:t>、感動的なストーリーとかは正直無理だからゲーム性で勝負</a:t>
             </a:r>
             <a:endParaRPr lang="en-US" altLang="ja-JP" dirty="0"/>
           </a:p>
@@ -4776,16 +4776,16 @@
           <a:p>
             <a:r>
               <a:rPr lang="ja-JP" altLang="en-US" dirty="0"/>
-              <a:t>・コンテンツに制限があるので、やりこみ要素として期待できるのはタイムアタック</a:t>
+              <a:t>・コンテンツに制限があるので、やりこみ要素として期待できるのはタイムアタックかな</a:t>
             </a:r>
             <a:endParaRPr lang="en-US" altLang="ja-JP" dirty="0"/>
           </a:p>
           <a:p>
             <a:r>
-              <a:rPr lang="ja-JP" altLang="en-US"/>
+              <a:rPr lang="ja-JP" altLang="en-US" dirty="0"/>
               <a:t>　→　エンディングにクリアタイムを表示するだけでも、やりこみ要素になると思う</a:t>
             </a:r>
-            <a:endParaRPr lang="en-US" altLang="ja-JP"/>
+            <a:endParaRPr lang="en-US" altLang="ja-JP" dirty="0"/>
           </a:p>
         </p:txBody>
       </p:sp>

--- a/Indie Game Challenge/Assets/Document/開発資料.pptx
+++ b/Indie Game Challenge/Assets/Document/開発資料.pptx
@@ -280,7 +280,7 @@
           <a:p>
             <a:fld id="{6FD30967-73D8-4BC5-8AAD-C817C2886B90}" type="datetimeFigureOut">
               <a:rPr kumimoji="1" lang="ja-JP" altLang="en-US" smtClean="0"/>
-              <a:t>2023/6/23</a:t>
+              <a:t>2023/6/24</a:t>
             </a:fld>
             <a:endParaRPr kumimoji="1" lang="ja-JP" altLang="en-US"/>
           </a:p>
@@ -510,7 +510,7 @@
           <a:p>
             <a:fld id="{6FD30967-73D8-4BC5-8AAD-C817C2886B90}" type="datetimeFigureOut">
               <a:rPr kumimoji="1" lang="ja-JP" altLang="en-US" smtClean="0"/>
-              <a:t>2023/6/23</a:t>
+              <a:t>2023/6/24</a:t>
             </a:fld>
             <a:endParaRPr kumimoji="1" lang="ja-JP" altLang="en-US"/>
           </a:p>
@@ -750,7 +750,7 @@
           <a:p>
             <a:fld id="{6FD30967-73D8-4BC5-8AAD-C817C2886B90}" type="datetimeFigureOut">
               <a:rPr kumimoji="1" lang="ja-JP" altLang="en-US" smtClean="0"/>
-              <a:t>2023/6/23</a:t>
+              <a:t>2023/6/24</a:t>
             </a:fld>
             <a:endParaRPr kumimoji="1" lang="ja-JP" altLang="en-US"/>
           </a:p>
@@ -980,7 +980,7 @@
           <a:p>
             <a:fld id="{6FD30967-73D8-4BC5-8AAD-C817C2886B90}" type="datetimeFigureOut">
               <a:rPr kumimoji="1" lang="ja-JP" altLang="en-US" smtClean="0"/>
-              <a:t>2023/6/23</a:t>
+              <a:t>2023/6/24</a:t>
             </a:fld>
             <a:endParaRPr kumimoji="1" lang="ja-JP" altLang="en-US"/>
           </a:p>
@@ -1255,7 +1255,7 @@
           <a:p>
             <a:fld id="{6FD30967-73D8-4BC5-8AAD-C817C2886B90}" type="datetimeFigureOut">
               <a:rPr kumimoji="1" lang="ja-JP" altLang="en-US" smtClean="0"/>
-              <a:t>2023/6/23</a:t>
+              <a:t>2023/6/24</a:t>
             </a:fld>
             <a:endParaRPr kumimoji="1" lang="ja-JP" altLang="en-US"/>
           </a:p>
@@ -1584,7 +1584,7 @@
           <a:p>
             <a:fld id="{6FD30967-73D8-4BC5-8AAD-C817C2886B90}" type="datetimeFigureOut">
               <a:rPr kumimoji="1" lang="ja-JP" altLang="en-US" smtClean="0"/>
-              <a:t>2023/6/23</a:t>
+              <a:t>2023/6/24</a:t>
             </a:fld>
             <a:endParaRPr kumimoji="1" lang="ja-JP" altLang="en-US"/>
           </a:p>
@@ -2060,7 +2060,7 @@
           <a:p>
             <a:fld id="{6FD30967-73D8-4BC5-8AAD-C817C2886B90}" type="datetimeFigureOut">
               <a:rPr kumimoji="1" lang="ja-JP" altLang="en-US" smtClean="0"/>
-              <a:t>2023/6/23</a:t>
+              <a:t>2023/6/24</a:t>
             </a:fld>
             <a:endParaRPr kumimoji="1" lang="ja-JP" altLang="en-US"/>
           </a:p>
@@ -2201,7 +2201,7 @@
           <a:p>
             <a:fld id="{6FD30967-73D8-4BC5-8AAD-C817C2886B90}" type="datetimeFigureOut">
               <a:rPr kumimoji="1" lang="ja-JP" altLang="en-US" smtClean="0"/>
-              <a:t>2023/6/23</a:t>
+              <a:t>2023/6/24</a:t>
             </a:fld>
             <a:endParaRPr kumimoji="1" lang="ja-JP" altLang="en-US"/>
           </a:p>
@@ -2314,7 +2314,7 @@
           <a:p>
             <a:fld id="{6FD30967-73D8-4BC5-8AAD-C817C2886B90}" type="datetimeFigureOut">
               <a:rPr kumimoji="1" lang="ja-JP" altLang="en-US" smtClean="0"/>
-              <a:t>2023/6/23</a:t>
+              <a:t>2023/6/24</a:t>
             </a:fld>
             <a:endParaRPr kumimoji="1" lang="ja-JP" altLang="en-US"/>
           </a:p>
@@ -2657,7 +2657,7 @@
           <a:p>
             <a:fld id="{6FD30967-73D8-4BC5-8AAD-C817C2886B90}" type="datetimeFigureOut">
               <a:rPr kumimoji="1" lang="ja-JP" altLang="en-US" smtClean="0"/>
-              <a:t>2023/6/23</a:t>
+              <a:t>2023/6/24</a:t>
             </a:fld>
             <a:endParaRPr kumimoji="1" lang="ja-JP" altLang="en-US"/>
           </a:p>
@@ -2945,7 +2945,7 @@
           <a:p>
             <a:fld id="{6FD30967-73D8-4BC5-8AAD-C817C2886B90}" type="datetimeFigureOut">
               <a:rPr kumimoji="1" lang="ja-JP" altLang="en-US" smtClean="0"/>
-              <a:t>2023/6/23</a:t>
+              <a:t>2023/6/24</a:t>
             </a:fld>
             <a:endParaRPr kumimoji="1" lang="ja-JP" altLang="en-US"/>
           </a:p>
@@ -3218,7 +3218,7 @@
           <a:p>
             <a:fld id="{6FD30967-73D8-4BC5-8AAD-C817C2886B90}" type="datetimeFigureOut">
               <a:rPr kumimoji="1" lang="ja-JP" altLang="en-US" smtClean="0"/>
-              <a:t>2023/6/23</a:t>
+              <a:t>2023/6/24</a:t>
             </a:fld>
             <a:endParaRPr kumimoji="1" lang="ja-JP" altLang="en-US"/>
           </a:p>
@@ -4220,7 +4220,7 @@
             <a:p>
               <a:r>
                 <a:rPr lang="ja-JP" altLang="en-US" dirty="0"/>
-                <a:t>・イントロでは主人公が地獄へ繋がる扉を見つけるシーンからスタート</a:t>
+                <a:t>・オープニングでは主人公が地獄へ繋がる扉を見つけるシーンからスタート</a:t>
               </a:r>
               <a:endParaRPr lang="en-US" altLang="ja-JP" dirty="0"/>
             </a:p>
@@ -4575,17 +4575,15 @@
           <a:p>
             <a:r>
               <a:rPr lang="ja-JP" altLang="en-US" dirty="0"/>
-              <a:t>・ダンジョンでもたもたしてはいけないという緊張感</a:t>
-            </a:r>
-            <a:endParaRPr lang="en-US" altLang="ja-JP" dirty="0"/>
-          </a:p>
-          <a:p>
-            <a:endParaRPr lang="en-US" altLang="ja-JP" dirty="0"/>
-          </a:p>
-          <a:p>
+              <a:t>・まず、かわいいキャラクター、かっこいい</a:t>
+            </a:r>
+            <a:r>
+              <a:rPr lang="en-US" altLang="ja-JP" dirty="0"/>
+              <a:t>BGM</a:t>
+            </a:r>
             <a:r>
               <a:rPr lang="ja-JP" altLang="en-US" dirty="0"/>
-              <a:t>・気持ちいいアクション＆スピード感</a:t>
+              <a:t>、感動的なストーリーとかは無理だからゲーム性で勝負</a:t>
             </a:r>
             <a:endParaRPr lang="en-US" altLang="ja-JP" dirty="0"/>
           </a:p>
@@ -4605,25 +4603,27 @@
           <a:p>
             <a:r>
               <a:rPr lang="ja-JP" altLang="en-US" dirty="0"/>
+              <a:t>・気持ちいいアクション＆スピード感（慣れていくとサクサク進める様なレベリングデザイン）</a:t>
+            </a:r>
+            <a:endParaRPr lang="en-US" altLang="ja-JP" dirty="0"/>
+          </a:p>
+          <a:p>
+            <a:endParaRPr lang="en-US" altLang="ja-JP" dirty="0"/>
+          </a:p>
+          <a:p>
+            <a:r>
+              <a:rPr lang="ja-JP" altLang="en-US" dirty="0"/>
+              <a:t>・ダンジョンでもたもたしてはいけないという緊張感</a:t>
+            </a:r>
+            <a:endParaRPr lang="en-US" altLang="ja-JP" dirty="0"/>
+          </a:p>
+          <a:p>
+            <a:endParaRPr lang="en-US" altLang="ja-JP" dirty="0"/>
+          </a:p>
+          <a:p>
+            <a:r>
+              <a:rPr lang="ja-JP" altLang="en-US" dirty="0"/>
               <a:t>・飽きる前にゲームが終わる事</a:t>
-            </a:r>
-            <a:endParaRPr lang="en-US" altLang="ja-JP" dirty="0"/>
-          </a:p>
-          <a:p>
-            <a:endParaRPr lang="en-US" altLang="ja-JP" dirty="0"/>
-          </a:p>
-          <a:p>
-            <a:r>
-              <a:rPr lang="ja-JP" altLang="en-US" dirty="0"/>
-              <a:t>・かわいいキャラクター、かっこいい</a:t>
-            </a:r>
-            <a:r>
-              <a:rPr lang="en-US" altLang="ja-JP" dirty="0"/>
-              <a:t>BGM</a:t>
-            </a:r>
-            <a:r>
-              <a:rPr lang="ja-JP" altLang="en-US" dirty="0"/>
-              <a:t>、感動的なストーリーとかは正直無理だからゲーム性で勝負</a:t>
             </a:r>
             <a:endParaRPr lang="en-US" altLang="ja-JP" dirty="0"/>
           </a:p>
@@ -4643,7 +4643,7 @@
         </p:nvSpPr>
         <p:spPr>
           <a:xfrm>
-            <a:off x="699594" y="268433"/>
+            <a:off x="8038857" y="545432"/>
             <a:ext cx="3724096" cy="276999"/>
           </a:xfrm>
           <a:prstGeom prst="rect">
@@ -5033,7 +5033,7 @@
         <p:spPr>
           <a:xfrm>
             <a:off x="352926" y="952822"/>
-            <a:ext cx="9417963" cy="369332"/>
+            <a:ext cx="9879628" cy="369332"/>
           </a:xfrm>
           <a:prstGeom prst="rect">
             <a:avLst/>
@@ -5047,8 +5047,12 @@
           <a:lstStyle/>
           <a:p>
             <a:r>
+              <a:rPr lang="ja-JP" altLang="en-US" dirty="0"/>
+              <a:t>オープニング</a:t>
+            </a:r>
+            <a:r>
               <a:rPr kumimoji="1" lang="ja-JP" altLang="en-US" dirty="0"/>
-              <a:t>イントロでは真っ暗な背景に文字だけでもいいから世界観や主人公の事を文章で説明する</a:t>
+              <a:t>では真っ暗な背景に文字だけでもいいから世界観や主人公の事を文章で説明する</a:t>
             </a:r>
           </a:p>
         </p:txBody>

--- a/Indie Game Challenge/Assets/Document/開発資料.pptx
+++ b/Indie Game Challenge/Assets/Document/開発資料.pptx
@@ -280,7 +280,7 @@
           <a:p>
             <a:fld id="{6FD30967-73D8-4BC5-8AAD-C817C2886B90}" type="datetimeFigureOut">
               <a:rPr kumimoji="1" lang="ja-JP" altLang="en-US" smtClean="0"/>
-              <a:t>2023/6/24</a:t>
+              <a:t>2023/6/28</a:t>
             </a:fld>
             <a:endParaRPr kumimoji="1" lang="ja-JP" altLang="en-US"/>
           </a:p>
@@ -510,7 +510,7 @@
           <a:p>
             <a:fld id="{6FD30967-73D8-4BC5-8AAD-C817C2886B90}" type="datetimeFigureOut">
               <a:rPr kumimoji="1" lang="ja-JP" altLang="en-US" smtClean="0"/>
-              <a:t>2023/6/24</a:t>
+              <a:t>2023/6/28</a:t>
             </a:fld>
             <a:endParaRPr kumimoji="1" lang="ja-JP" altLang="en-US"/>
           </a:p>
@@ -750,7 +750,7 @@
           <a:p>
             <a:fld id="{6FD30967-73D8-4BC5-8AAD-C817C2886B90}" type="datetimeFigureOut">
               <a:rPr kumimoji="1" lang="ja-JP" altLang="en-US" smtClean="0"/>
-              <a:t>2023/6/24</a:t>
+              <a:t>2023/6/28</a:t>
             </a:fld>
             <a:endParaRPr kumimoji="1" lang="ja-JP" altLang="en-US"/>
           </a:p>
@@ -980,7 +980,7 @@
           <a:p>
             <a:fld id="{6FD30967-73D8-4BC5-8AAD-C817C2886B90}" type="datetimeFigureOut">
               <a:rPr kumimoji="1" lang="ja-JP" altLang="en-US" smtClean="0"/>
-              <a:t>2023/6/24</a:t>
+              <a:t>2023/6/28</a:t>
             </a:fld>
             <a:endParaRPr kumimoji="1" lang="ja-JP" altLang="en-US"/>
           </a:p>
@@ -1255,7 +1255,7 @@
           <a:p>
             <a:fld id="{6FD30967-73D8-4BC5-8AAD-C817C2886B90}" type="datetimeFigureOut">
               <a:rPr kumimoji="1" lang="ja-JP" altLang="en-US" smtClean="0"/>
-              <a:t>2023/6/24</a:t>
+              <a:t>2023/6/28</a:t>
             </a:fld>
             <a:endParaRPr kumimoji="1" lang="ja-JP" altLang="en-US"/>
           </a:p>
@@ -1584,7 +1584,7 @@
           <a:p>
             <a:fld id="{6FD30967-73D8-4BC5-8AAD-C817C2886B90}" type="datetimeFigureOut">
               <a:rPr kumimoji="1" lang="ja-JP" altLang="en-US" smtClean="0"/>
-              <a:t>2023/6/24</a:t>
+              <a:t>2023/6/28</a:t>
             </a:fld>
             <a:endParaRPr kumimoji="1" lang="ja-JP" altLang="en-US"/>
           </a:p>
@@ -2060,7 +2060,7 @@
           <a:p>
             <a:fld id="{6FD30967-73D8-4BC5-8AAD-C817C2886B90}" type="datetimeFigureOut">
               <a:rPr kumimoji="1" lang="ja-JP" altLang="en-US" smtClean="0"/>
-              <a:t>2023/6/24</a:t>
+              <a:t>2023/6/28</a:t>
             </a:fld>
             <a:endParaRPr kumimoji="1" lang="ja-JP" altLang="en-US"/>
           </a:p>
@@ -2201,7 +2201,7 @@
           <a:p>
             <a:fld id="{6FD30967-73D8-4BC5-8AAD-C817C2886B90}" type="datetimeFigureOut">
               <a:rPr kumimoji="1" lang="ja-JP" altLang="en-US" smtClean="0"/>
-              <a:t>2023/6/24</a:t>
+              <a:t>2023/6/28</a:t>
             </a:fld>
             <a:endParaRPr kumimoji="1" lang="ja-JP" altLang="en-US"/>
           </a:p>
@@ -2314,7 +2314,7 @@
           <a:p>
             <a:fld id="{6FD30967-73D8-4BC5-8AAD-C817C2886B90}" type="datetimeFigureOut">
               <a:rPr kumimoji="1" lang="ja-JP" altLang="en-US" smtClean="0"/>
-              <a:t>2023/6/24</a:t>
+              <a:t>2023/6/28</a:t>
             </a:fld>
             <a:endParaRPr kumimoji="1" lang="ja-JP" altLang="en-US"/>
           </a:p>
@@ -2657,7 +2657,7 @@
           <a:p>
             <a:fld id="{6FD30967-73D8-4BC5-8AAD-C817C2886B90}" type="datetimeFigureOut">
               <a:rPr kumimoji="1" lang="ja-JP" altLang="en-US" smtClean="0"/>
-              <a:t>2023/6/24</a:t>
+              <a:t>2023/6/28</a:t>
             </a:fld>
             <a:endParaRPr kumimoji="1" lang="ja-JP" altLang="en-US"/>
           </a:p>
@@ -2945,7 +2945,7 @@
           <a:p>
             <a:fld id="{6FD30967-73D8-4BC5-8AAD-C817C2886B90}" type="datetimeFigureOut">
               <a:rPr kumimoji="1" lang="ja-JP" altLang="en-US" smtClean="0"/>
-              <a:t>2023/6/24</a:t>
+              <a:t>2023/6/28</a:t>
             </a:fld>
             <a:endParaRPr kumimoji="1" lang="ja-JP" altLang="en-US"/>
           </a:p>
@@ -3218,7 +3218,7 @@
           <a:p>
             <a:fld id="{6FD30967-73D8-4BC5-8AAD-C817C2886B90}" type="datetimeFigureOut">
               <a:rPr kumimoji="1" lang="ja-JP" altLang="en-US" smtClean="0"/>
-              <a:t>2023/6/24</a:t>
+              <a:t>2023/6/28</a:t>
             </a:fld>
             <a:endParaRPr kumimoji="1" lang="ja-JP" altLang="en-US"/>
           </a:p>
@@ -4058,7 +4058,7 @@
         <p:spPr>
           <a:xfrm>
             <a:off x="264696" y="890157"/>
-            <a:ext cx="11527254" cy="1354217"/>
+            <a:ext cx="11527254" cy="1631216"/>
           </a:xfrm>
           <a:prstGeom prst="rect">
             <a:avLst/>
@@ -4087,7 +4087,11 @@
             </a:r>
             <a:r>
               <a:rPr kumimoji="1" lang="ja-JP" altLang="en-US" dirty="0"/>
-              <a:t>主人公の後ろに謎の影が現れて続きが気になるような要素を入れる</a:t>
+              <a:t>主人公の後ろに謎の影が現れて続きが気になるような要素を入れる（ライバル要素とか入れてそいつと戦うボス戦とか入れる？　→　エンディングでまた登場させてしつこさ</a:t>
+            </a:r>
+            <a:r>
+              <a:rPr kumimoji="1" lang="ja-JP" altLang="en-US"/>
+              <a:t>アピールとか）</a:t>
             </a:r>
             <a:endParaRPr kumimoji="1" lang="en-US" altLang="ja-JP" dirty="0"/>
           </a:p>

--- a/Indie Game Challenge/Assets/Document/開発資料.pptx
+++ b/Indie Game Challenge/Assets/Document/開発資料.pptx
@@ -280,7 +280,7 @@
           <a:p>
             <a:fld id="{6FD30967-73D8-4BC5-8AAD-C817C2886B90}" type="datetimeFigureOut">
               <a:rPr kumimoji="1" lang="ja-JP" altLang="en-US" smtClean="0"/>
-              <a:t>2023/6/28</a:t>
+              <a:t>2023/7/5</a:t>
             </a:fld>
             <a:endParaRPr kumimoji="1" lang="ja-JP" altLang="en-US"/>
           </a:p>
@@ -510,7 +510,7 @@
           <a:p>
             <a:fld id="{6FD30967-73D8-4BC5-8AAD-C817C2886B90}" type="datetimeFigureOut">
               <a:rPr kumimoji="1" lang="ja-JP" altLang="en-US" smtClean="0"/>
-              <a:t>2023/6/28</a:t>
+              <a:t>2023/7/5</a:t>
             </a:fld>
             <a:endParaRPr kumimoji="1" lang="ja-JP" altLang="en-US"/>
           </a:p>
@@ -750,7 +750,7 @@
           <a:p>
             <a:fld id="{6FD30967-73D8-4BC5-8AAD-C817C2886B90}" type="datetimeFigureOut">
               <a:rPr kumimoji="1" lang="ja-JP" altLang="en-US" smtClean="0"/>
-              <a:t>2023/6/28</a:t>
+              <a:t>2023/7/5</a:t>
             </a:fld>
             <a:endParaRPr kumimoji="1" lang="ja-JP" altLang="en-US"/>
           </a:p>
@@ -980,7 +980,7 @@
           <a:p>
             <a:fld id="{6FD30967-73D8-4BC5-8AAD-C817C2886B90}" type="datetimeFigureOut">
               <a:rPr kumimoji="1" lang="ja-JP" altLang="en-US" smtClean="0"/>
-              <a:t>2023/6/28</a:t>
+              <a:t>2023/7/5</a:t>
             </a:fld>
             <a:endParaRPr kumimoji="1" lang="ja-JP" altLang="en-US"/>
           </a:p>
@@ -1255,7 +1255,7 @@
           <a:p>
             <a:fld id="{6FD30967-73D8-4BC5-8AAD-C817C2886B90}" type="datetimeFigureOut">
               <a:rPr kumimoji="1" lang="ja-JP" altLang="en-US" smtClean="0"/>
-              <a:t>2023/6/28</a:t>
+              <a:t>2023/7/5</a:t>
             </a:fld>
             <a:endParaRPr kumimoji="1" lang="ja-JP" altLang="en-US"/>
           </a:p>
@@ -1584,7 +1584,7 @@
           <a:p>
             <a:fld id="{6FD30967-73D8-4BC5-8AAD-C817C2886B90}" type="datetimeFigureOut">
               <a:rPr kumimoji="1" lang="ja-JP" altLang="en-US" smtClean="0"/>
-              <a:t>2023/6/28</a:t>
+              <a:t>2023/7/5</a:t>
             </a:fld>
             <a:endParaRPr kumimoji="1" lang="ja-JP" altLang="en-US"/>
           </a:p>
@@ -2060,7 +2060,7 @@
           <a:p>
             <a:fld id="{6FD30967-73D8-4BC5-8AAD-C817C2886B90}" type="datetimeFigureOut">
               <a:rPr kumimoji="1" lang="ja-JP" altLang="en-US" smtClean="0"/>
-              <a:t>2023/6/28</a:t>
+              <a:t>2023/7/5</a:t>
             </a:fld>
             <a:endParaRPr kumimoji="1" lang="ja-JP" altLang="en-US"/>
           </a:p>
@@ -2201,7 +2201,7 @@
           <a:p>
             <a:fld id="{6FD30967-73D8-4BC5-8AAD-C817C2886B90}" type="datetimeFigureOut">
               <a:rPr kumimoji="1" lang="ja-JP" altLang="en-US" smtClean="0"/>
-              <a:t>2023/6/28</a:t>
+              <a:t>2023/7/5</a:t>
             </a:fld>
             <a:endParaRPr kumimoji="1" lang="ja-JP" altLang="en-US"/>
           </a:p>
@@ -2314,7 +2314,7 @@
           <a:p>
             <a:fld id="{6FD30967-73D8-4BC5-8AAD-C817C2886B90}" type="datetimeFigureOut">
               <a:rPr kumimoji="1" lang="ja-JP" altLang="en-US" smtClean="0"/>
-              <a:t>2023/6/28</a:t>
+              <a:t>2023/7/5</a:t>
             </a:fld>
             <a:endParaRPr kumimoji="1" lang="ja-JP" altLang="en-US"/>
           </a:p>
@@ -2657,7 +2657,7 @@
           <a:p>
             <a:fld id="{6FD30967-73D8-4BC5-8AAD-C817C2886B90}" type="datetimeFigureOut">
               <a:rPr kumimoji="1" lang="ja-JP" altLang="en-US" smtClean="0"/>
-              <a:t>2023/6/28</a:t>
+              <a:t>2023/7/5</a:t>
             </a:fld>
             <a:endParaRPr kumimoji="1" lang="ja-JP" altLang="en-US"/>
           </a:p>
@@ -2945,7 +2945,7 @@
           <a:p>
             <a:fld id="{6FD30967-73D8-4BC5-8AAD-C817C2886B90}" type="datetimeFigureOut">
               <a:rPr kumimoji="1" lang="ja-JP" altLang="en-US" smtClean="0"/>
-              <a:t>2023/6/28</a:t>
+              <a:t>2023/7/5</a:t>
             </a:fld>
             <a:endParaRPr kumimoji="1" lang="ja-JP" altLang="en-US"/>
           </a:p>
@@ -3218,7 +3218,7 @@
           <a:p>
             <a:fld id="{6FD30967-73D8-4BC5-8AAD-C817C2886B90}" type="datetimeFigureOut">
               <a:rPr kumimoji="1" lang="ja-JP" altLang="en-US" smtClean="0"/>
-              <a:t>2023/6/28</a:t>
+              <a:t>2023/7/5</a:t>
             </a:fld>
             <a:endParaRPr kumimoji="1" lang="ja-JP" altLang="en-US"/>
           </a:p>
@@ -5174,6 +5174,50 @@
           </p:txBody>
         </p:sp>
       </p:grpSp>
+      <p:sp>
+        <p:nvSpPr>
+          <p:cNvPr id="2" name="テキスト ボックス 1">
+            <a:extLst>
+              <a:ext uri="{FF2B5EF4-FFF2-40B4-BE49-F238E27FC236}">
+                <a16:creationId xmlns:a16="http://schemas.microsoft.com/office/drawing/2014/main" id="{521B8ECA-396D-5221-972C-8B18C0DF2819}"/>
+              </a:ext>
+            </a:extLst>
+          </p:cNvPr>
+          <p:cNvSpPr txBox="1"/>
+          <p:nvPr/>
+        </p:nvSpPr>
+        <p:spPr>
+          <a:xfrm>
+            <a:off x="4852736" y="6051237"/>
+            <a:ext cx="5032147" cy="369332"/>
+          </a:xfrm>
+          <a:prstGeom prst="rect">
+            <a:avLst/>
+          </a:prstGeom>
+          <a:noFill/>
+        </p:spPr>
+        <p:txBody>
+          <a:bodyPr wrap="none" rtlCol="0">
+            <a:spAutoFit/>
+          </a:bodyPr>
+          <a:lstStyle/>
+          <a:p>
+            <a:r>
+              <a:rPr lang="ja-JP" altLang="en-US" dirty="0">
+                <a:solidFill>
+                  <a:srgbClr val="FF0000"/>
+                </a:solidFill>
+              </a:rPr>
+              <a:t>ダンテの「神曲」の様に詩、歌の様な文にする</a:t>
+            </a:r>
+            <a:endParaRPr kumimoji="1" lang="ja-JP" altLang="en-US" dirty="0">
+              <a:solidFill>
+                <a:srgbClr val="FF0000"/>
+              </a:solidFill>
+            </a:endParaRPr>
+          </a:p>
+        </p:txBody>
+      </p:sp>
     </p:spTree>
     <p:extLst>
       <p:ext uri="{BB962C8B-B14F-4D97-AF65-F5344CB8AC3E}">
